--- a/spring13/slides13/genfuncmaclauren.pptx
+++ b/spring13/slides13/genfuncmaclauren.pptx
@@ -5,26 +5,28 @@
     <p:sldMasterId id="2147483650" r:id="rId1"/>
   </p:sldMasterIdLst>
   <p:notesMasterIdLst>
-    <p:notesMasterId r:id="rId11"/>
+    <p:notesMasterId r:id="rId13"/>
   </p:notesMasterIdLst>
   <p:handoutMasterIdLst>
-    <p:handoutMasterId r:id="rId12"/>
+    <p:handoutMasterId r:id="rId14"/>
   </p:handoutMasterIdLst>
   <p:sldIdLst>
     <p:sldId id="474" r:id="rId2"/>
     <p:sldId id="578" r:id="rId3"/>
-    <p:sldId id="577" r:id="rId4"/>
-    <p:sldId id="579" r:id="rId5"/>
-    <p:sldId id="580" r:id="rId6"/>
-    <p:sldId id="582" r:id="rId7"/>
-    <p:sldId id="584" r:id="rId8"/>
+    <p:sldId id="580" r:id="rId4"/>
+    <p:sldId id="582" r:id="rId5"/>
+    <p:sldId id="588" r:id="rId6"/>
+    <p:sldId id="584" r:id="rId7"/>
+    <p:sldId id="589" r:id="rId8"/>
     <p:sldId id="586" r:id="rId9"/>
     <p:sldId id="587" r:id="rId10"/>
+    <p:sldId id="577" r:id="rId11"/>
+    <p:sldId id="579" r:id="rId12"/>
   </p:sldIdLst>
   <p:sldSz cx="9144000" cy="6858000" type="screen4x3"/>
   <p:notesSz cx="9601200" cy="7315200"/>
   <p:custDataLst>
-    <p:tags r:id="rId14"/>
+    <p:tags r:id="rId16"/>
   </p:custDataLst>
   <p:defaultTextStyle>
     <a:defPPr>
@@ -1962,22 +1964,7 @@
                 <a:uFillTx/>
                 <a:latin typeface="Comic Sans MS" pitchFamily="66" charset="0"/>
               </a:rPr>
-              <a:t>Albert R Meyer,             April </a:t>
-            </a:r>
-            <a:r>
-              <a:rPr kumimoji="0" lang="en-US" sz="1200" b="0" i="0" u="none" strike="noStrike" kern="1200" cap="none" spc="0" normalizeH="0" baseline="0" noProof="0" dirty="0" smtClean="0">
-                <a:ln>
-                  <a:noFill/>
-                </a:ln>
-                <a:solidFill>
-                  <a:schemeClr val="tx1"/>
-                </a:solidFill>
-                <a:effectLst/>
-                <a:uLnTx/>
-                <a:uFillTx/>
-                <a:latin typeface="Comic Sans MS" pitchFamily="66" charset="0"/>
-              </a:rPr>
-              <a:t>26, 2013</a:t>
+              <a:t>Albert R Meyer,             April 26, 2013</a:t>
             </a:r>
             <a:endParaRPr kumimoji="0" lang="en-US" sz="1200" b="0" i="0" u="none" strike="noStrike" kern="1200" cap="none" spc="0" normalizeH="0" baseline="0" noProof="0" dirty="0">
               <a:ln>
@@ -2585,11 +2572,6 @@
               </a:rPr>
               <a:t>Function</a:t>
             </a:r>
-            <a:endParaRPr lang="en-US" sz="6000" b="1" dirty="0" smtClean="0">
-              <a:solidFill>
-                <a:schemeClr val="tx2"/>
-              </a:solidFill>
-            </a:endParaRPr>
           </a:p>
           <a:p>
             <a:pPr algn="ctr"/>
@@ -2599,7 +2581,18 @@
                   <a:schemeClr val="tx2"/>
                 </a:solidFill>
               </a:rPr>
-              <a:t>Coefficients by Derivatives</a:t>
+              <a:t>Coefficients</a:t>
+            </a:r>
+          </a:p>
+          <a:p>
+            <a:pPr algn="ctr"/>
+            <a:r>
+              <a:rPr lang="en-US" sz="6000" b="1" dirty="0" smtClean="0">
+                <a:solidFill>
+                  <a:schemeClr val="tx2"/>
+                </a:solidFill>
+              </a:rPr>
+              <a:t>by Derivatives</a:t>
             </a:r>
             <a:endParaRPr lang="en-US" sz="1200" b="1" dirty="0">
               <a:solidFill>
@@ -2625,9 +2618,1561 @@
   <p:timing>
     <p:tnLst>
       <p:par>
-        <p:cTn xmlns:p14="http://schemas.microsoft.com/office/powerpoint/2010/main" id="1" dur="indefinite" restart="never" nodeType="tmRoot"/>
+        <p:cTn xmlns:p14="http://schemas.microsoft.com/office/powerpoint/2010/main" id="1" dur="indefinite" restart="never" nodeType="tmRoot">
+          <p:childTnLst>
+            <p:seq concurrent="1" nextAc="seek">
+              <p:cTn id="2" dur="indefinite" nodeType="mainSeq">
+                <p:childTnLst>
+                  <p:par>
+                    <p:cTn id="3" fill="hold">
+                      <p:stCondLst>
+                        <p:cond delay="indefinite"/>
+                      </p:stCondLst>
+                      <p:childTnLst>
+                        <p:par>
+                          <p:cTn id="4" fill="hold">
+                            <p:stCondLst>
+                              <p:cond delay="0"/>
+                            </p:stCondLst>
+                            <p:childTnLst>
+                              <p:par>
+                                <p:cTn id="5" presetID="10" presetClass="entr" presetSubtype="0" fill="hold" nodeType="clickEffect">
+                                  <p:stCondLst>
+                                    <p:cond delay="0"/>
+                                  </p:stCondLst>
+                                  <p:childTnLst>
+                                    <p:set>
+                                      <p:cBhvr>
+                                        <p:cTn id="6" dur="1" fill="hold">
+                                          <p:stCondLst>
+                                            <p:cond delay="0"/>
+                                          </p:stCondLst>
+                                        </p:cTn>
+                                        <p:tgtEl>
+                                          <p:spTgt spid="8196">
+                                            <p:txEl>
+                                              <p:pRg st="2" end="2"/>
+                                            </p:txEl>
+                                          </p:spTgt>
+                                        </p:tgtEl>
+                                        <p:attrNameLst>
+                                          <p:attrName>style.visibility</p:attrName>
+                                        </p:attrNameLst>
+                                      </p:cBhvr>
+                                      <p:to>
+                                        <p:strVal val="visible"/>
+                                      </p:to>
+                                    </p:set>
+                                    <p:animEffect transition="in" filter="fade">
+                                      <p:cBhvr>
+                                        <p:cTn id="7" dur="500"/>
+                                        <p:tgtEl>
+                                          <p:spTgt spid="8196">
+                                            <p:txEl>
+                                              <p:pRg st="2" end="2"/>
+                                            </p:txEl>
+                                          </p:spTgt>
+                                        </p:tgtEl>
+                                      </p:cBhvr>
+                                    </p:animEffect>
+                                  </p:childTnLst>
+                                </p:cTn>
+                              </p:par>
+                            </p:childTnLst>
+                          </p:cTn>
+                        </p:par>
+                      </p:childTnLst>
+                    </p:cTn>
+                  </p:par>
+                </p:childTnLst>
+              </p:cTn>
+              <p:prevCondLst>
+                <p:cond evt="onPrev" delay="0">
+                  <p:tgtEl>
+                    <p:sldTgt/>
+                  </p:tgtEl>
+                </p:cond>
+              </p:prevCondLst>
+              <p:nextCondLst>
+                <p:cond evt="onNext" delay="0">
+                  <p:tgtEl>
+                    <p:sldTgt/>
+                  </p:tgtEl>
+                </p:cond>
+              </p:nextCondLst>
+            </p:seq>
+          </p:childTnLst>
+        </p:cTn>
       </p:par>
     </p:tnLst>
+  </p:timing>
+</p:sld>
+</file>
+
+<file path=ppt/slides/slide10.xml><?xml version="1.0" encoding="utf-8"?>
+<p:sld xmlns:a="http://schemas.openxmlformats.org/drawingml/2006/main" xmlns:r="http://schemas.openxmlformats.org/officeDocument/2006/relationships" xmlns:p="http://schemas.openxmlformats.org/presentationml/2006/main">
+  <p:cSld>
+    <p:spTree>
+      <p:nvGrpSpPr>
+        <p:cNvPr id="1" name=""/>
+        <p:cNvGrpSpPr/>
+        <p:nvPr/>
+      </p:nvGrpSpPr>
+      <p:grpSpPr>
+        <a:xfrm>
+          <a:off x="0" y="0"/>
+          <a:ext cx="0" cy="0"/>
+          <a:chOff x="0" y="0"/>
+          <a:chExt cx="0" cy="0"/>
+        </a:xfrm>
+      </p:grpSpPr>
+      <p:sp>
+        <p:nvSpPr>
+          <p:cNvPr id="2" name="Title 1"/>
+          <p:cNvSpPr>
+            <a:spLocks noGrp="1"/>
+          </p:cNvSpPr>
+          <p:nvPr>
+            <p:ph type="title"/>
+          </p:nvPr>
+        </p:nvSpPr>
+        <p:spPr>
+          <a:xfrm>
+            <a:off x="1447800" y="457200"/>
+            <a:ext cx="6172200" cy="762000"/>
+          </a:xfrm>
+        </p:spPr>
+        <p:txBody>
+          <a:bodyPr/>
+          <a:lstStyle/>
+          <a:p>
+            <a:r>
+              <a:rPr lang="en-US" dirty="0" smtClean="0"/>
+              <a:t>Derivatives &amp; </a:t>
+            </a:r>
+            <a:r>
+              <a:rPr lang="en-US" dirty="0" err="1" smtClean="0"/>
+              <a:t>Coefficents</a:t>
+            </a:r>
+            <a:endParaRPr lang="en-US" dirty="0"/>
+          </a:p>
+        </p:txBody>
+      </p:sp>
+      <p:sp>
+        <p:nvSpPr>
+          <p:cNvPr id="3" name="Slide Number Placeholder 2"/>
+          <p:cNvSpPr>
+            <a:spLocks noGrp="1"/>
+          </p:cNvSpPr>
+          <p:nvPr>
+            <p:ph type="sldNum" sz="quarter" idx="10"/>
+          </p:nvPr>
+        </p:nvSpPr>
+        <p:spPr/>
+        <p:txBody>
+          <a:bodyPr/>
+          <a:lstStyle/>
+          <a:p>
+            <a:pPr>
+              <a:defRPr/>
+            </a:pPr>
+            <a:r>
+              <a:rPr lang="en-US" dirty="0" err="1" smtClean="0"/>
+              <a:t>maclauren</a:t>
+            </a:r>
+            <a:r>
+              <a:rPr lang="en-US" dirty="0" smtClean="0"/>
+              <a:t>.</a:t>
+            </a:r>
+            <a:fld id="{A585D087-0720-40C8-BCB9-442D95888E3B}" type="slidenum">
+              <a:rPr lang="en-US" smtClean="0"/>
+              <a:pPr>
+                <a:defRPr/>
+              </a:pPr>
+              <a:t>10</a:t>
+            </a:fld>
+            <a:endParaRPr lang="en-US" dirty="0"/>
+          </a:p>
+        </p:txBody>
+      </p:sp>
+      <p:graphicFrame>
+        <p:nvGraphicFramePr>
+          <p:cNvPr id="5" name="Object 4"/>
+          <p:cNvGraphicFramePr>
+            <a:graphicFrameLocks noChangeAspect="1"/>
+          </p:cNvGraphicFramePr>
+          <p:nvPr>
+            <p:extLst>
+              <p:ext uri="{D42A27DB-BD31-4B8C-83A1-F6EECF244321}">
+                <p14:modId xmlns:p14="http://schemas.microsoft.com/office/powerpoint/2010/main" val="3038399269"/>
+              </p:ext>
+            </p:extLst>
+          </p:nvPr>
+        </p:nvGraphicFramePr>
+        <p:xfrm>
+          <a:off x="-19050" y="1066800"/>
+          <a:ext cx="9182100" cy="1025525"/>
+        </p:xfrm>
+        <a:graphic>
+          <a:graphicData uri="http://schemas.openxmlformats.org/presentationml/2006/ole">
+            <mc:AlternateContent xmlns:mc="http://schemas.openxmlformats.org/markup-compatibility/2006">
+              <mc:Choice xmlns:v="urn:schemas-microsoft-com:vml" Requires="v">
+                <p:oleObj spid="_x0000_s325768" name="Equation" r:id="rId3" imgW="2616200" imgH="292100" progId="Equation.DSMT4">
+                  <p:embed/>
+                </p:oleObj>
+              </mc:Choice>
+              <mc:Fallback>
+                <p:oleObj name="Equation" r:id="rId3" imgW="2616200" imgH="292100" progId="Equation.DSMT4">
+                  <p:embed/>
+                  <p:pic>
+                    <p:nvPicPr>
+                      <p:cNvPr id="0" name=""/>
+                      <p:cNvPicPr/>
+                      <p:nvPr/>
+                    </p:nvPicPr>
+                    <p:blipFill>
+                      <a:blip r:embed="rId4"/>
+                      <a:stretch>
+                        <a:fillRect/>
+                      </a:stretch>
+                    </p:blipFill>
+                    <p:spPr>
+                      <a:xfrm>
+                        <a:off x="-19050" y="1066800"/>
+                        <a:ext cx="9182100" cy="1025525"/>
+                      </a:xfrm>
+                      <a:prstGeom prst="rect">
+                        <a:avLst/>
+                      </a:prstGeom>
+                    </p:spPr>
+                  </p:pic>
+                </p:oleObj>
+              </mc:Fallback>
+            </mc:AlternateContent>
+          </a:graphicData>
+        </a:graphic>
+      </p:graphicFrame>
+      <p:graphicFrame>
+        <p:nvGraphicFramePr>
+          <p:cNvPr id="13" name="Object 12"/>
+          <p:cNvGraphicFramePr>
+            <a:graphicFrameLocks noChangeAspect="1"/>
+          </p:cNvGraphicFramePr>
+          <p:nvPr>
+            <p:extLst>
+              <p:ext uri="{D42A27DB-BD31-4B8C-83A1-F6EECF244321}">
+                <p14:modId xmlns:p14="http://schemas.microsoft.com/office/powerpoint/2010/main" val="2125384739"/>
+              </p:ext>
+            </p:extLst>
+          </p:nvPr>
+        </p:nvGraphicFramePr>
+        <p:xfrm>
+          <a:off x="161925" y="1905000"/>
+          <a:ext cx="2460625" cy="1028700"/>
+        </p:xfrm>
+        <a:graphic>
+          <a:graphicData uri="http://schemas.openxmlformats.org/presentationml/2006/ole">
+            <mc:AlternateContent xmlns:mc="http://schemas.openxmlformats.org/markup-compatibility/2006">
+              <mc:Choice xmlns:v="urn:schemas-microsoft-com:vml" Requires="v">
+                <p:oleObj spid="_x0000_s325769" name="Equation" r:id="rId5" imgW="698500" imgH="292100" progId="Equation.DSMT4">
+                  <p:embed/>
+                </p:oleObj>
+              </mc:Choice>
+              <mc:Fallback>
+                <p:oleObj name="Equation" r:id="rId5" imgW="698500" imgH="292100" progId="Equation.DSMT4">
+                  <p:embed/>
+                  <p:pic>
+                    <p:nvPicPr>
+                      <p:cNvPr id="0" name=""/>
+                      <p:cNvPicPr/>
+                      <p:nvPr/>
+                    </p:nvPicPr>
+                    <p:blipFill>
+                      <a:blip r:embed="rId6"/>
+                      <a:stretch>
+                        <a:fillRect/>
+                      </a:stretch>
+                    </p:blipFill>
+                    <p:spPr>
+                      <a:xfrm>
+                        <a:off x="161925" y="1905000"/>
+                        <a:ext cx="2460625" cy="1028700"/>
+                      </a:xfrm>
+                      <a:prstGeom prst="rect">
+                        <a:avLst/>
+                      </a:prstGeom>
+                    </p:spPr>
+                  </p:pic>
+                </p:oleObj>
+              </mc:Fallback>
+            </mc:AlternateContent>
+          </a:graphicData>
+        </a:graphic>
+      </p:graphicFrame>
+      <p:graphicFrame>
+        <p:nvGraphicFramePr>
+          <p:cNvPr id="14" name="Object 13"/>
+          <p:cNvGraphicFramePr>
+            <a:graphicFrameLocks noChangeAspect="1"/>
+          </p:cNvGraphicFramePr>
+          <p:nvPr>
+            <p:extLst>
+              <p:ext uri="{D42A27DB-BD31-4B8C-83A1-F6EECF244321}">
+                <p14:modId xmlns:p14="http://schemas.microsoft.com/office/powerpoint/2010/main" val="2709449544"/>
+              </p:ext>
+            </p:extLst>
+          </p:nvPr>
+        </p:nvGraphicFramePr>
+        <p:xfrm>
+          <a:off x="58738" y="2789238"/>
+          <a:ext cx="8980487" cy="868362"/>
+        </p:xfrm>
+        <a:graphic>
+          <a:graphicData uri="http://schemas.openxmlformats.org/presentationml/2006/ole">
+            <mc:AlternateContent xmlns:mc="http://schemas.openxmlformats.org/markup-compatibility/2006">
+              <mc:Choice xmlns:v="urn:schemas-microsoft-com:vml" Requires="v">
+                <p:oleObj spid="_x0000_s325770" name="Equation" r:id="rId7" imgW="3022600" imgH="292100" progId="Equation.DSMT4">
+                  <p:embed/>
+                </p:oleObj>
+              </mc:Choice>
+              <mc:Fallback>
+                <p:oleObj name="Equation" r:id="rId7" imgW="3022600" imgH="292100" progId="Equation.DSMT4">
+                  <p:embed/>
+                  <p:pic>
+                    <p:nvPicPr>
+                      <p:cNvPr id="0" name=""/>
+                      <p:cNvPicPr/>
+                      <p:nvPr/>
+                    </p:nvPicPr>
+                    <p:blipFill>
+                      <a:blip r:embed="rId8"/>
+                      <a:stretch>
+                        <a:fillRect/>
+                      </a:stretch>
+                    </p:blipFill>
+                    <p:spPr>
+                      <a:xfrm>
+                        <a:off x="58738" y="2789238"/>
+                        <a:ext cx="8980487" cy="868362"/>
+                      </a:xfrm>
+                      <a:prstGeom prst="rect">
+                        <a:avLst/>
+                      </a:prstGeom>
+                    </p:spPr>
+                  </p:pic>
+                </p:oleObj>
+              </mc:Fallback>
+            </mc:AlternateContent>
+          </a:graphicData>
+        </a:graphic>
+      </p:graphicFrame>
+      <p:graphicFrame>
+        <p:nvGraphicFramePr>
+          <p:cNvPr id="15" name="Object 14"/>
+          <p:cNvGraphicFramePr>
+            <a:graphicFrameLocks noChangeAspect="1"/>
+          </p:cNvGraphicFramePr>
+          <p:nvPr>
+            <p:extLst>
+              <p:ext uri="{D42A27DB-BD31-4B8C-83A1-F6EECF244321}">
+                <p14:modId xmlns:p14="http://schemas.microsoft.com/office/powerpoint/2010/main" val="3772795592"/>
+              </p:ext>
+            </p:extLst>
+          </p:nvPr>
+        </p:nvGraphicFramePr>
+        <p:xfrm>
+          <a:off x="139700" y="3505200"/>
+          <a:ext cx="2505075" cy="1028700"/>
+        </p:xfrm>
+        <a:graphic>
+          <a:graphicData uri="http://schemas.openxmlformats.org/presentationml/2006/ole">
+            <mc:AlternateContent xmlns:mc="http://schemas.openxmlformats.org/markup-compatibility/2006">
+              <mc:Choice xmlns:v="urn:schemas-microsoft-com:vml" Requires="v">
+                <p:oleObj spid="_x0000_s325771" name="Equation" r:id="rId9" imgW="711200" imgH="292100" progId="Equation.DSMT4">
+                  <p:embed/>
+                </p:oleObj>
+              </mc:Choice>
+              <mc:Fallback>
+                <p:oleObj name="Equation" r:id="rId9" imgW="711200" imgH="292100" progId="Equation.DSMT4">
+                  <p:embed/>
+                  <p:pic>
+                    <p:nvPicPr>
+                      <p:cNvPr id="0" name=""/>
+                      <p:cNvPicPr/>
+                      <p:nvPr/>
+                    </p:nvPicPr>
+                    <p:blipFill>
+                      <a:blip r:embed="rId10"/>
+                      <a:stretch>
+                        <a:fillRect/>
+                      </a:stretch>
+                    </p:blipFill>
+                    <p:spPr>
+                      <a:xfrm>
+                        <a:off x="139700" y="3505200"/>
+                        <a:ext cx="2505075" cy="1028700"/>
+                      </a:xfrm>
+                      <a:prstGeom prst="rect">
+                        <a:avLst/>
+                      </a:prstGeom>
+                    </p:spPr>
+                  </p:pic>
+                </p:oleObj>
+              </mc:Fallback>
+            </mc:AlternateContent>
+          </a:graphicData>
+        </a:graphic>
+      </p:graphicFrame>
+      <p:graphicFrame>
+        <p:nvGraphicFramePr>
+          <p:cNvPr id="17" name="Object 16"/>
+          <p:cNvGraphicFramePr>
+            <a:graphicFrameLocks noChangeAspect="1"/>
+          </p:cNvGraphicFramePr>
+          <p:nvPr>
+            <p:extLst>
+              <p:ext uri="{D42A27DB-BD31-4B8C-83A1-F6EECF244321}">
+                <p14:modId xmlns:p14="http://schemas.microsoft.com/office/powerpoint/2010/main" val="826100951"/>
+              </p:ext>
+            </p:extLst>
+          </p:nvPr>
+        </p:nvGraphicFramePr>
+        <p:xfrm>
+          <a:off x="131763" y="4914900"/>
+          <a:ext cx="2908300" cy="1028700"/>
+        </p:xfrm>
+        <a:graphic>
+          <a:graphicData uri="http://schemas.openxmlformats.org/presentationml/2006/ole">
+            <mc:AlternateContent xmlns:mc="http://schemas.openxmlformats.org/markup-compatibility/2006">
+              <mc:Choice xmlns:v="urn:schemas-microsoft-com:vml" Requires="v">
+                <p:oleObj spid="_x0000_s325772" name="Equation" r:id="rId11" imgW="825500" imgH="292100" progId="Equation.DSMT4">
+                  <p:embed/>
+                </p:oleObj>
+              </mc:Choice>
+              <mc:Fallback>
+                <p:oleObj name="Equation" r:id="rId11" imgW="825500" imgH="292100" progId="Equation.DSMT4">
+                  <p:embed/>
+                  <p:pic>
+                    <p:nvPicPr>
+                      <p:cNvPr id="0" name=""/>
+                      <p:cNvPicPr/>
+                      <p:nvPr/>
+                    </p:nvPicPr>
+                    <p:blipFill>
+                      <a:blip r:embed="rId12"/>
+                      <a:stretch>
+                        <a:fillRect/>
+                      </a:stretch>
+                    </p:blipFill>
+                    <p:spPr>
+                      <a:xfrm>
+                        <a:off x="131763" y="4914900"/>
+                        <a:ext cx="2908300" cy="1028700"/>
+                      </a:xfrm>
+                      <a:prstGeom prst="rect">
+                        <a:avLst/>
+                      </a:prstGeom>
+                    </p:spPr>
+                  </p:pic>
+                </p:oleObj>
+              </mc:Fallback>
+            </mc:AlternateContent>
+          </a:graphicData>
+        </a:graphic>
+      </p:graphicFrame>
+      <p:graphicFrame>
+        <p:nvGraphicFramePr>
+          <p:cNvPr id="18" name="Object 17"/>
+          <p:cNvGraphicFramePr>
+            <a:graphicFrameLocks noChangeAspect="1"/>
+          </p:cNvGraphicFramePr>
+          <p:nvPr>
+            <p:extLst>
+              <p:ext uri="{D42A27DB-BD31-4B8C-83A1-F6EECF244321}">
+                <p14:modId xmlns:p14="http://schemas.microsoft.com/office/powerpoint/2010/main" val="3329552722"/>
+              </p:ext>
+            </p:extLst>
+          </p:nvPr>
+        </p:nvGraphicFramePr>
+        <p:xfrm>
+          <a:off x="87313" y="4267200"/>
+          <a:ext cx="9140825" cy="838200"/>
+        </p:xfrm>
+        <a:graphic>
+          <a:graphicData uri="http://schemas.openxmlformats.org/presentationml/2006/ole">
+            <mc:AlternateContent xmlns:mc="http://schemas.openxmlformats.org/markup-compatibility/2006">
+              <mc:Choice xmlns:v="urn:schemas-microsoft-com:vml" Requires="v">
+                <p:oleObj spid="_x0000_s325773" name="Equation" r:id="rId13" imgW="3187700" imgH="292100" progId="Equation.DSMT4">
+                  <p:embed/>
+                </p:oleObj>
+              </mc:Choice>
+              <mc:Fallback>
+                <p:oleObj name="Equation" r:id="rId13" imgW="3187700" imgH="292100" progId="Equation.DSMT4">
+                  <p:embed/>
+                  <p:pic>
+                    <p:nvPicPr>
+                      <p:cNvPr id="0" name=""/>
+                      <p:cNvPicPr/>
+                      <p:nvPr/>
+                    </p:nvPicPr>
+                    <p:blipFill>
+                      <a:blip r:embed="rId14"/>
+                      <a:stretch>
+                        <a:fillRect/>
+                      </a:stretch>
+                    </p:blipFill>
+                    <p:spPr>
+                      <a:xfrm>
+                        <a:off x="87313" y="4267200"/>
+                        <a:ext cx="9140825" cy="838200"/>
+                      </a:xfrm>
+                      <a:prstGeom prst="rect">
+                        <a:avLst/>
+                      </a:prstGeom>
+                    </p:spPr>
+                  </p:pic>
+                </p:oleObj>
+              </mc:Fallback>
+            </mc:AlternateContent>
+          </a:graphicData>
+        </a:graphic>
+      </p:graphicFrame>
+    </p:spTree>
+    <p:extLst>
+      <p:ext uri="{BB962C8B-B14F-4D97-AF65-F5344CB8AC3E}">
+        <p14:creationId xmlns:p14="http://schemas.microsoft.com/office/powerpoint/2010/main" val="1707745182"/>
+      </p:ext>
+    </p:extLst>
+  </p:cSld>
+  <p:clrMapOvr>
+    <a:masterClrMapping/>
+  </p:clrMapOvr>
+  <mc:AlternateContent xmlns:mc="http://schemas.openxmlformats.org/markup-compatibility/2006">
+    <mc:Choice xmlns:p14="http://schemas.microsoft.com/office/powerpoint/2010/main" Requires="p14">
+      <p:transition spd="slow" p14:dur="1200" advClick="0">
+        <p:fade thruBlk="1"/>
+      </p:transition>
+    </mc:Choice>
+    <mc:Fallback>
+      <p:transition xmlns:p14="http://schemas.microsoft.com/office/powerpoint/2010/main" spd="slow" advClick="0">
+        <p:fade thruBlk="1"/>
+      </p:transition>
+    </mc:Fallback>
+  </mc:AlternateContent>
+  <p:timing>
+    <p:tnLst>
+      <p:par>
+        <p:cTn xmlns:p14="http://schemas.microsoft.com/office/powerpoint/2010/main" id="1" dur="indefinite" restart="never" nodeType="tmRoot">
+          <p:childTnLst>
+            <p:seq concurrent="1" nextAc="seek">
+              <p:cTn id="2" dur="indefinite" nodeType="mainSeq">
+                <p:childTnLst>
+                  <p:par>
+                    <p:cTn id="3" fill="hold">
+                      <p:stCondLst>
+                        <p:cond delay="indefinite"/>
+                      </p:stCondLst>
+                      <p:childTnLst>
+                        <p:par>
+                          <p:cTn id="4" fill="hold">
+                            <p:stCondLst>
+                              <p:cond delay="0"/>
+                            </p:stCondLst>
+                            <p:childTnLst>
+                              <p:par>
+                                <p:cTn id="5" presetID="10" presetClass="entr" presetSubtype="0" fill="hold" nodeType="clickEffect">
+                                  <p:stCondLst>
+                                    <p:cond delay="0"/>
+                                  </p:stCondLst>
+                                  <p:childTnLst>
+                                    <p:set>
+                                      <p:cBhvr>
+                                        <p:cTn id="6" dur="1" fill="hold">
+                                          <p:stCondLst>
+                                            <p:cond delay="0"/>
+                                          </p:stCondLst>
+                                        </p:cTn>
+                                        <p:tgtEl>
+                                          <p:spTgt spid="13"/>
+                                        </p:tgtEl>
+                                        <p:attrNameLst>
+                                          <p:attrName>style.visibility</p:attrName>
+                                        </p:attrNameLst>
+                                      </p:cBhvr>
+                                      <p:to>
+                                        <p:strVal val="visible"/>
+                                      </p:to>
+                                    </p:set>
+                                    <p:animEffect transition="in" filter="fade">
+                                      <p:cBhvr>
+                                        <p:cTn id="7" dur="500"/>
+                                        <p:tgtEl>
+                                          <p:spTgt spid="13"/>
+                                        </p:tgtEl>
+                                      </p:cBhvr>
+                                    </p:animEffect>
+                                  </p:childTnLst>
+                                </p:cTn>
+                              </p:par>
+                            </p:childTnLst>
+                          </p:cTn>
+                        </p:par>
+                      </p:childTnLst>
+                    </p:cTn>
+                  </p:par>
+                  <p:par>
+                    <p:cTn id="8" fill="hold">
+                      <p:stCondLst>
+                        <p:cond delay="indefinite"/>
+                      </p:stCondLst>
+                      <p:childTnLst>
+                        <p:par>
+                          <p:cTn id="9" fill="hold">
+                            <p:stCondLst>
+                              <p:cond delay="0"/>
+                            </p:stCondLst>
+                            <p:childTnLst>
+                              <p:par>
+                                <p:cTn id="10" presetID="22" presetClass="entr" presetSubtype="8" fill="hold" nodeType="clickEffect">
+                                  <p:stCondLst>
+                                    <p:cond delay="0"/>
+                                  </p:stCondLst>
+                                  <p:childTnLst>
+                                    <p:set>
+                                      <p:cBhvr>
+                                        <p:cTn id="11" dur="1" fill="hold">
+                                          <p:stCondLst>
+                                            <p:cond delay="0"/>
+                                          </p:stCondLst>
+                                        </p:cTn>
+                                        <p:tgtEl>
+                                          <p:spTgt spid="14"/>
+                                        </p:tgtEl>
+                                        <p:attrNameLst>
+                                          <p:attrName>style.visibility</p:attrName>
+                                        </p:attrNameLst>
+                                      </p:cBhvr>
+                                      <p:to>
+                                        <p:strVal val="visible"/>
+                                      </p:to>
+                                    </p:set>
+                                    <p:animEffect transition="in" filter="wipe(left)">
+                                      <p:cBhvr>
+                                        <p:cTn id="12" dur="1000"/>
+                                        <p:tgtEl>
+                                          <p:spTgt spid="14"/>
+                                        </p:tgtEl>
+                                      </p:cBhvr>
+                                    </p:animEffect>
+                                  </p:childTnLst>
+                                </p:cTn>
+                              </p:par>
+                            </p:childTnLst>
+                          </p:cTn>
+                        </p:par>
+                      </p:childTnLst>
+                    </p:cTn>
+                  </p:par>
+                  <p:par>
+                    <p:cTn id="13" fill="hold">
+                      <p:stCondLst>
+                        <p:cond delay="indefinite"/>
+                      </p:stCondLst>
+                      <p:childTnLst>
+                        <p:par>
+                          <p:cTn id="14" fill="hold">
+                            <p:stCondLst>
+                              <p:cond delay="0"/>
+                            </p:stCondLst>
+                            <p:childTnLst>
+                              <p:par>
+                                <p:cTn id="15" presetID="10" presetClass="entr" presetSubtype="0" fill="hold" nodeType="clickEffect">
+                                  <p:stCondLst>
+                                    <p:cond delay="0"/>
+                                  </p:stCondLst>
+                                  <p:childTnLst>
+                                    <p:set>
+                                      <p:cBhvr>
+                                        <p:cTn id="16" dur="1" fill="hold">
+                                          <p:stCondLst>
+                                            <p:cond delay="0"/>
+                                          </p:stCondLst>
+                                        </p:cTn>
+                                        <p:tgtEl>
+                                          <p:spTgt spid="15"/>
+                                        </p:tgtEl>
+                                        <p:attrNameLst>
+                                          <p:attrName>style.visibility</p:attrName>
+                                        </p:attrNameLst>
+                                      </p:cBhvr>
+                                      <p:to>
+                                        <p:strVal val="visible"/>
+                                      </p:to>
+                                    </p:set>
+                                    <p:animEffect transition="in" filter="fade">
+                                      <p:cBhvr>
+                                        <p:cTn id="17" dur="500"/>
+                                        <p:tgtEl>
+                                          <p:spTgt spid="15"/>
+                                        </p:tgtEl>
+                                      </p:cBhvr>
+                                    </p:animEffect>
+                                  </p:childTnLst>
+                                </p:cTn>
+                              </p:par>
+                            </p:childTnLst>
+                          </p:cTn>
+                        </p:par>
+                      </p:childTnLst>
+                    </p:cTn>
+                  </p:par>
+                  <p:par>
+                    <p:cTn id="18" fill="hold">
+                      <p:stCondLst>
+                        <p:cond delay="indefinite"/>
+                      </p:stCondLst>
+                      <p:childTnLst>
+                        <p:par>
+                          <p:cTn id="19" fill="hold">
+                            <p:stCondLst>
+                              <p:cond delay="0"/>
+                            </p:stCondLst>
+                            <p:childTnLst>
+                              <p:par>
+                                <p:cTn id="20" presetID="22" presetClass="entr" presetSubtype="8" fill="hold" nodeType="clickEffect">
+                                  <p:stCondLst>
+                                    <p:cond delay="0"/>
+                                  </p:stCondLst>
+                                  <p:childTnLst>
+                                    <p:set>
+                                      <p:cBhvr>
+                                        <p:cTn id="21" dur="1" fill="hold">
+                                          <p:stCondLst>
+                                            <p:cond delay="0"/>
+                                          </p:stCondLst>
+                                        </p:cTn>
+                                        <p:tgtEl>
+                                          <p:spTgt spid="18"/>
+                                        </p:tgtEl>
+                                        <p:attrNameLst>
+                                          <p:attrName>style.visibility</p:attrName>
+                                        </p:attrNameLst>
+                                      </p:cBhvr>
+                                      <p:to>
+                                        <p:strVal val="visible"/>
+                                      </p:to>
+                                    </p:set>
+                                    <p:animEffect transition="in" filter="wipe(left)">
+                                      <p:cBhvr>
+                                        <p:cTn id="22" dur="1000"/>
+                                        <p:tgtEl>
+                                          <p:spTgt spid="18"/>
+                                        </p:tgtEl>
+                                      </p:cBhvr>
+                                    </p:animEffect>
+                                  </p:childTnLst>
+                                </p:cTn>
+                              </p:par>
+                            </p:childTnLst>
+                          </p:cTn>
+                        </p:par>
+                      </p:childTnLst>
+                    </p:cTn>
+                  </p:par>
+                  <p:par>
+                    <p:cTn id="23" fill="hold">
+                      <p:stCondLst>
+                        <p:cond delay="indefinite"/>
+                      </p:stCondLst>
+                      <p:childTnLst>
+                        <p:par>
+                          <p:cTn id="24" fill="hold">
+                            <p:stCondLst>
+                              <p:cond delay="0"/>
+                            </p:stCondLst>
+                            <p:childTnLst>
+                              <p:par>
+                                <p:cTn id="25" presetID="10" presetClass="entr" presetSubtype="0" fill="hold" nodeType="clickEffect">
+                                  <p:stCondLst>
+                                    <p:cond delay="0"/>
+                                  </p:stCondLst>
+                                  <p:childTnLst>
+                                    <p:set>
+                                      <p:cBhvr>
+                                        <p:cTn id="26" dur="1" fill="hold">
+                                          <p:stCondLst>
+                                            <p:cond delay="0"/>
+                                          </p:stCondLst>
+                                        </p:cTn>
+                                        <p:tgtEl>
+                                          <p:spTgt spid="17"/>
+                                        </p:tgtEl>
+                                        <p:attrNameLst>
+                                          <p:attrName>style.visibility</p:attrName>
+                                        </p:attrNameLst>
+                                      </p:cBhvr>
+                                      <p:to>
+                                        <p:strVal val="visible"/>
+                                      </p:to>
+                                    </p:set>
+                                    <p:animEffect transition="in" filter="fade">
+                                      <p:cBhvr>
+                                        <p:cTn id="27" dur="500"/>
+                                        <p:tgtEl>
+                                          <p:spTgt spid="17"/>
+                                        </p:tgtEl>
+                                      </p:cBhvr>
+                                    </p:animEffect>
+                                  </p:childTnLst>
+                                </p:cTn>
+                              </p:par>
+                            </p:childTnLst>
+                          </p:cTn>
+                        </p:par>
+                      </p:childTnLst>
+                    </p:cTn>
+                  </p:par>
+                </p:childTnLst>
+              </p:cTn>
+              <p:prevCondLst>
+                <p:cond evt="onPrev" delay="0">
+                  <p:tgtEl>
+                    <p:sldTgt/>
+                  </p:tgtEl>
+                </p:cond>
+              </p:prevCondLst>
+              <p:nextCondLst>
+                <p:cond evt="onNext" delay="0">
+                  <p:tgtEl>
+                    <p:sldTgt/>
+                  </p:tgtEl>
+                </p:cond>
+              </p:nextCondLst>
+            </p:seq>
+          </p:childTnLst>
+        </p:cTn>
+      </p:par>
+    </p:tnLst>
+  </p:timing>
+</p:sld>
+</file>
+
+<file path=ppt/slides/slide11.xml><?xml version="1.0" encoding="utf-8"?>
+<p:sld xmlns:a="http://schemas.openxmlformats.org/drawingml/2006/main" xmlns:r="http://schemas.openxmlformats.org/officeDocument/2006/relationships" xmlns:p="http://schemas.openxmlformats.org/presentationml/2006/main">
+  <p:cSld>
+    <p:spTree>
+      <p:nvGrpSpPr>
+        <p:cNvPr id="1" name=""/>
+        <p:cNvGrpSpPr/>
+        <p:nvPr/>
+      </p:nvGrpSpPr>
+      <p:grpSpPr>
+        <a:xfrm>
+          <a:off x="0" y="0"/>
+          <a:ext cx="0" cy="0"/>
+          <a:chOff x="0" y="0"/>
+          <a:chExt cx="0" cy="0"/>
+        </a:xfrm>
+      </p:grpSpPr>
+      <p:sp>
+        <p:nvSpPr>
+          <p:cNvPr id="3" name="Slide Number Placeholder 2"/>
+          <p:cNvSpPr>
+            <a:spLocks noGrp="1"/>
+          </p:cNvSpPr>
+          <p:nvPr>
+            <p:ph type="sldNum" sz="quarter" idx="10"/>
+          </p:nvPr>
+        </p:nvSpPr>
+        <p:spPr/>
+        <p:txBody>
+          <a:bodyPr/>
+          <a:lstStyle/>
+          <a:p>
+            <a:pPr>
+              <a:defRPr/>
+            </a:pPr>
+            <a:r>
+              <a:rPr lang="en-US" dirty="0" err="1" smtClean="0"/>
+              <a:t>maclauren</a:t>
+            </a:r>
+            <a:r>
+              <a:rPr lang="en-US" dirty="0" smtClean="0"/>
+              <a:t>.</a:t>
+            </a:r>
+            <a:fld id="{A585D087-0720-40C8-BCB9-442D95888E3B}" type="slidenum">
+              <a:rPr lang="en-US" smtClean="0"/>
+              <a:pPr>
+                <a:defRPr/>
+              </a:pPr>
+              <a:t>11</a:t>
+            </a:fld>
+            <a:endParaRPr lang="en-US" dirty="0"/>
+          </a:p>
+        </p:txBody>
+      </p:sp>
+      <p:graphicFrame>
+        <p:nvGraphicFramePr>
+          <p:cNvPr id="17" name="Object 16"/>
+          <p:cNvGraphicFramePr>
+            <a:graphicFrameLocks noChangeAspect="1"/>
+          </p:cNvGraphicFramePr>
+          <p:nvPr>
+            <p:extLst>
+              <p:ext uri="{D42A27DB-BD31-4B8C-83A1-F6EECF244321}">
+                <p14:modId xmlns:p14="http://schemas.microsoft.com/office/powerpoint/2010/main" val="1901029310"/>
+              </p:ext>
+            </p:extLst>
+          </p:nvPr>
+        </p:nvGraphicFramePr>
+        <p:xfrm>
+          <a:off x="287338" y="3200400"/>
+          <a:ext cx="3905250" cy="1181100"/>
+        </p:xfrm>
+        <a:graphic>
+          <a:graphicData uri="http://schemas.openxmlformats.org/presentationml/2006/ole">
+            <mc:AlternateContent xmlns:mc="http://schemas.openxmlformats.org/markup-compatibility/2006">
+              <mc:Choice xmlns:v="urn:schemas-microsoft-com:vml" Requires="v">
+                <p:oleObj spid="_x0000_s327763" name="Equation" r:id="rId3" imgW="965200" imgH="292100" progId="Equation.DSMT4">
+                  <p:embed/>
+                </p:oleObj>
+              </mc:Choice>
+              <mc:Fallback>
+                <p:oleObj name="Equation" r:id="rId3" imgW="965200" imgH="292100" progId="Equation.DSMT4">
+                  <p:embed/>
+                  <p:pic>
+                    <p:nvPicPr>
+                      <p:cNvPr id="0" name=""/>
+                      <p:cNvPicPr/>
+                      <p:nvPr/>
+                    </p:nvPicPr>
+                    <p:blipFill>
+                      <a:blip r:embed="rId4"/>
+                      <a:stretch>
+                        <a:fillRect/>
+                      </a:stretch>
+                    </p:blipFill>
+                    <p:spPr>
+                      <a:xfrm>
+                        <a:off x="287338" y="3200400"/>
+                        <a:ext cx="3905250" cy="1181100"/>
+                      </a:xfrm>
+                      <a:prstGeom prst="rect">
+                        <a:avLst/>
+                      </a:prstGeom>
+                    </p:spPr>
+                  </p:pic>
+                </p:oleObj>
+              </mc:Fallback>
+            </mc:AlternateContent>
+          </a:graphicData>
+        </a:graphic>
+      </p:graphicFrame>
+      <p:graphicFrame>
+        <p:nvGraphicFramePr>
+          <p:cNvPr id="18" name="Object 17"/>
+          <p:cNvGraphicFramePr>
+            <a:graphicFrameLocks noChangeAspect="1"/>
+          </p:cNvGraphicFramePr>
+          <p:nvPr>
+            <p:extLst>
+              <p:ext uri="{D42A27DB-BD31-4B8C-83A1-F6EECF244321}">
+                <p14:modId xmlns:p14="http://schemas.microsoft.com/office/powerpoint/2010/main" val="1144927605"/>
+              </p:ext>
+            </p:extLst>
+          </p:nvPr>
+        </p:nvGraphicFramePr>
+        <p:xfrm>
+          <a:off x="357188" y="1371600"/>
+          <a:ext cx="2451100" cy="962025"/>
+        </p:xfrm>
+        <a:graphic>
+          <a:graphicData uri="http://schemas.openxmlformats.org/presentationml/2006/ole">
+            <mc:AlternateContent xmlns:mc="http://schemas.openxmlformats.org/markup-compatibility/2006">
+              <mc:Choice xmlns:v="urn:schemas-microsoft-com:vml" Requires="v">
+                <p:oleObj spid="_x0000_s327764" name="Equation" r:id="rId5" imgW="647700" imgH="254000" progId="Equation.DSMT4">
+                  <p:embed/>
+                </p:oleObj>
+              </mc:Choice>
+              <mc:Fallback>
+                <p:oleObj name="Equation" r:id="rId5" imgW="647700" imgH="254000" progId="Equation.DSMT4">
+                  <p:embed/>
+                  <p:pic>
+                    <p:nvPicPr>
+                      <p:cNvPr id="0" name=""/>
+                      <p:cNvPicPr/>
+                      <p:nvPr/>
+                    </p:nvPicPr>
+                    <p:blipFill>
+                      <a:blip r:embed="rId6"/>
+                      <a:stretch>
+                        <a:fillRect/>
+                      </a:stretch>
+                    </p:blipFill>
+                    <p:spPr>
+                      <a:xfrm>
+                        <a:off x="357188" y="1371600"/>
+                        <a:ext cx="2451100" cy="962025"/>
+                      </a:xfrm>
+                      <a:prstGeom prst="rect">
+                        <a:avLst/>
+                      </a:prstGeom>
+                    </p:spPr>
+                  </p:pic>
+                </p:oleObj>
+              </mc:Fallback>
+            </mc:AlternateContent>
+          </a:graphicData>
+        </a:graphic>
+      </p:graphicFrame>
+      <p:graphicFrame>
+        <p:nvGraphicFramePr>
+          <p:cNvPr id="4" name="Object 3"/>
+          <p:cNvGraphicFramePr>
+            <a:graphicFrameLocks noChangeAspect="1"/>
+          </p:cNvGraphicFramePr>
+          <p:nvPr>
+            <p:extLst>
+              <p:ext uri="{D42A27DB-BD31-4B8C-83A1-F6EECF244321}">
+                <p14:modId xmlns:p14="http://schemas.microsoft.com/office/powerpoint/2010/main" val="3025402442"/>
+              </p:ext>
+            </p:extLst>
+          </p:nvPr>
+        </p:nvGraphicFramePr>
+        <p:xfrm>
+          <a:off x="412750" y="1981200"/>
+          <a:ext cx="8555038" cy="1485900"/>
+        </p:xfrm>
+        <a:graphic>
+          <a:graphicData uri="http://schemas.openxmlformats.org/presentationml/2006/ole">
+            <mc:AlternateContent xmlns:mc="http://schemas.openxmlformats.org/markup-compatibility/2006">
+              <mc:Choice xmlns:v="urn:schemas-microsoft-com:vml" Requires="v">
+                <p:oleObj spid="_x0000_s327765" name="Equation" r:id="rId7" imgW="2705100" imgH="469900" progId="Equation.DSMT4">
+                  <p:embed/>
+                </p:oleObj>
+              </mc:Choice>
+              <mc:Fallback>
+                <p:oleObj name="Equation" r:id="rId7" imgW="2705100" imgH="469900" progId="Equation.DSMT4">
+                  <p:embed/>
+                  <p:pic>
+                    <p:nvPicPr>
+                      <p:cNvPr id="0" name=""/>
+                      <p:cNvPicPr/>
+                      <p:nvPr/>
+                    </p:nvPicPr>
+                    <p:blipFill>
+                      <a:blip r:embed="rId8"/>
+                      <a:stretch>
+                        <a:fillRect/>
+                      </a:stretch>
+                    </p:blipFill>
+                    <p:spPr>
+                      <a:xfrm>
+                        <a:off x="412750" y="1981200"/>
+                        <a:ext cx="8555038" cy="1485900"/>
+                      </a:xfrm>
+                      <a:prstGeom prst="rect">
+                        <a:avLst/>
+                      </a:prstGeom>
+                    </p:spPr>
+                  </p:pic>
+                </p:oleObj>
+              </mc:Fallback>
+            </mc:AlternateContent>
+          </a:graphicData>
+        </a:graphic>
+      </p:graphicFrame>
+      <p:sp>
+        <p:nvSpPr>
+          <p:cNvPr id="12" name="Title 1"/>
+          <p:cNvSpPr>
+            <a:spLocks noGrp="1"/>
+          </p:cNvSpPr>
+          <p:nvPr>
+            <p:ph type="title"/>
+          </p:nvPr>
+        </p:nvSpPr>
+        <p:spPr>
+          <a:xfrm>
+            <a:off x="1447800" y="457200"/>
+            <a:ext cx="6172200" cy="762000"/>
+          </a:xfrm>
+        </p:spPr>
+        <p:txBody>
+          <a:bodyPr/>
+          <a:lstStyle/>
+          <a:p>
+            <a:r>
+              <a:rPr lang="en-US" dirty="0" smtClean="0"/>
+              <a:t>Derivatives &amp; </a:t>
+            </a:r>
+            <a:r>
+              <a:rPr lang="en-US" dirty="0" err="1" smtClean="0"/>
+              <a:t>Coefficents</a:t>
+            </a:r>
+            <a:endParaRPr lang="en-US" dirty="0"/>
+          </a:p>
+        </p:txBody>
+      </p:sp>
+      <p:graphicFrame>
+        <p:nvGraphicFramePr>
+          <p:cNvPr id="7" name="Object 6"/>
+          <p:cNvGraphicFramePr>
+            <a:graphicFrameLocks noChangeAspect="1"/>
+          </p:cNvGraphicFramePr>
+          <p:nvPr>
+            <p:extLst>
+              <p:ext uri="{D42A27DB-BD31-4B8C-83A1-F6EECF244321}">
+                <p14:modId xmlns:p14="http://schemas.microsoft.com/office/powerpoint/2010/main" val="3248700002"/>
+              </p:ext>
+            </p:extLst>
+          </p:nvPr>
+        </p:nvGraphicFramePr>
+        <p:xfrm>
+          <a:off x="3733800" y="4397375"/>
+          <a:ext cx="3403600" cy="1851025"/>
+        </p:xfrm>
+        <a:graphic>
+          <a:graphicData uri="http://schemas.openxmlformats.org/presentationml/2006/ole">
+            <mc:AlternateContent xmlns:mc="http://schemas.openxmlformats.org/markup-compatibility/2006">
+              <mc:Choice xmlns:v="urn:schemas-microsoft-com:vml" Requires="v">
+                <p:oleObj spid="_x0000_s327766" name="Equation" r:id="rId9" imgW="863600" imgH="469900" progId="Equation.DSMT4">
+                  <p:embed/>
+                </p:oleObj>
+              </mc:Choice>
+              <mc:Fallback>
+                <p:oleObj name="Equation" r:id="rId9" imgW="863600" imgH="469900" progId="Equation.DSMT4">
+                  <p:embed/>
+                  <p:pic>
+                    <p:nvPicPr>
+                      <p:cNvPr id="0" name=""/>
+                      <p:cNvPicPr/>
+                      <p:nvPr/>
+                    </p:nvPicPr>
+                    <p:blipFill>
+                      <a:blip r:embed="rId10"/>
+                      <a:stretch>
+                        <a:fillRect/>
+                      </a:stretch>
+                    </p:blipFill>
+                    <p:spPr>
+                      <a:xfrm>
+                        <a:off x="3733800" y="4397375"/>
+                        <a:ext cx="3403600" cy="1851025"/>
+                      </a:xfrm>
+                      <a:prstGeom prst="rect">
+                        <a:avLst/>
+                      </a:prstGeom>
+                    </p:spPr>
+                  </p:pic>
+                </p:oleObj>
+              </mc:Fallback>
+            </mc:AlternateContent>
+          </a:graphicData>
+        </a:graphic>
+      </p:graphicFrame>
+      <p:sp>
+        <p:nvSpPr>
+          <p:cNvPr id="8" name="Rectangle 7"/>
+          <p:cNvSpPr/>
+          <p:nvPr/>
+        </p:nvSpPr>
+        <p:spPr bwMode="auto">
+          <a:xfrm>
+            <a:off x="3581400" y="4267200"/>
+            <a:ext cx="3810000" cy="2133600"/>
+          </a:xfrm>
+          <a:prstGeom prst="rect">
+            <a:avLst/>
+          </a:prstGeom>
+          <a:solidFill>
+            <a:schemeClr val="accent1">
+              <a:alpha val="0"/>
+            </a:schemeClr>
+          </a:solidFill>
+          <a:ln w="41275" cap="flat" cmpd="sng" algn="ctr">
+            <a:solidFill>
+              <a:srgbClr val="FF00FF"/>
+            </a:solidFill>
+            <a:prstDash val="sysDash"/>
+            <a:round/>
+            <a:headEnd type="none" w="med" len="med"/>
+            <a:tailEnd type="none" w="med" len="med"/>
+          </a:ln>
+          <a:effectLst/>
+        </p:spPr>
+        <p:txBody>
+          <a:bodyPr vert="horz" wrap="square" lIns="91440" tIns="45720" rIns="91440" bIns="45720" numCol="1" rtlCol="0" anchor="t" anchorCtr="0" compatLnSpc="1">
+            <a:prstTxWarp prst="textNoShape">
+              <a:avLst/>
+            </a:prstTxWarp>
+          </a:bodyPr>
+          <a:lstStyle/>
+          <a:p>
+            <a:pPr marL="0" marR="0" indent="0" algn="l" defTabSz="914400" rtl="0" eaLnBrk="1" fontAlgn="base" latinLnBrk="0" hangingPunct="1">
+              <a:lnSpc>
+                <a:spcPct val="100000"/>
+              </a:lnSpc>
+              <a:spcBef>
+                <a:spcPct val="0"/>
+              </a:spcBef>
+              <a:spcAft>
+                <a:spcPct val="0"/>
+              </a:spcAft>
+              <a:buClrTx/>
+              <a:buSzTx/>
+              <a:buFontTx/>
+              <a:buNone/>
+              <a:tabLst/>
+            </a:pPr>
+            <a:endParaRPr kumimoji="0" lang="en-US" sz="4400" b="0" i="0" u="none" strike="noStrike" cap="none" normalizeH="0" baseline="0" smtClean="0">
+              <a:ln>
+                <a:noFill/>
+              </a:ln>
+              <a:solidFill>
+                <a:schemeClr val="tx1"/>
+              </a:solidFill>
+              <a:effectLst/>
+              <a:latin typeface="Comic Sans MS" pitchFamily="66" charset="0"/>
+            </a:endParaRPr>
+          </a:p>
+        </p:txBody>
+      </p:sp>
+      <p:sp>
+        <p:nvSpPr>
+          <p:cNvPr id="2" name="Rectangle 1"/>
+          <p:cNvSpPr/>
+          <p:nvPr/>
+        </p:nvSpPr>
+        <p:spPr>
+          <a:xfrm>
+            <a:off x="304800" y="4876800"/>
+            <a:ext cx="3042319" cy="769441"/>
+          </a:xfrm>
+          <a:prstGeom prst="rect">
+            <a:avLst/>
+          </a:prstGeom>
+        </p:spPr>
+        <p:txBody>
+          <a:bodyPr wrap="none">
+            <a:spAutoFit/>
+          </a:bodyPr>
+          <a:lstStyle/>
+          <a:p>
+            <a:r>
+              <a:rPr lang="en-US" dirty="0" err="1" smtClean="0"/>
+              <a:t>Maclauren</a:t>
+            </a:r>
+            <a:r>
+              <a:rPr lang="en-US" dirty="0" smtClean="0"/>
+              <a:t>:</a:t>
+            </a:r>
+            <a:endParaRPr lang="en-US" dirty="0"/>
+          </a:p>
+        </p:txBody>
+      </p:sp>
+    </p:spTree>
+    <p:extLst>
+      <p:ext uri="{BB962C8B-B14F-4D97-AF65-F5344CB8AC3E}">
+        <p14:creationId xmlns:p14="http://schemas.microsoft.com/office/powerpoint/2010/main" val="3971930883"/>
+      </p:ext>
+    </p:extLst>
+  </p:cSld>
+  <p:clrMapOvr>
+    <a:masterClrMapping/>
+  </p:clrMapOvr>
+  <mc:AlternateContent xmlns:mc="http://schemas.openxmlformats.org/markup-compatibility/2006" xmlns:p14="http://schemas.microsoft.com/office/powerpoint/2010/main">
+    <mc:Choice Requires="p14">
+      <p:transition spd="med" p14:dur="700" advClick="0">
+        <p:fade/>
+      </p:transition>
+    </mc:Choice>
+    <mc:Fallback xmlns="">
+      <p:transition xmlns:p14="http://schemas.microsoft.com/office/powerpoint/2010/main" spd="med" advClick="0">
+        <p:fade/>
+      </p:transition>
+    </mc:Fallback>
+  </mc:AlternateContent>
+  <p:timing>
+    <p:tnLst>
+      <p:par>
+        <p:cTn xmlns:p14="http://schemas.microsoft.com/office/powerpoint/2010/main" id="1" dur="indefinite" restart="never" nodeType="tmRoot">
+          <p:childTnLst>
+            <p:seq concurrent="1" nextAc="seek">
+              <p:cTn id="2" dur="indefinite" nodeType="mainSeq">
+                <p:childTnLst>
+                  <p:par>
+                    <p:cTn id="3" fill="hold">
+                      <p:stCondLst>
+                        <p:cond delay="indefinite"/>
+                      </p:stCondLst>
+                      <p:childTnLst>
+                        <p:par>
+                          <p:cTn id="4" fill="hold">
+                            <p:stCondLst>
+                              <p:cond delay="0"/>
+                            </p:stCondLst>
+                            <p:childTnLst>
+                              <p:par>
+                                <p:cTn id="5" presetID="22" presetClass="entr" presetSubtype="8" fill="hold" nodeType="clickEffect">
+                                  <p:stCondLst>
+                                    <p:cond delay="0"/>
+                                  </p:stCondLst>
+                                  <p:childTnLst>
+                                    <p:set>
+                                      <p:cBhvr>
+                                        <p:cTn id="6" dur="1" fill="hold">
+                                          <p:stCondLst>
+                                            <p:cond delay="0"/>
+                                          </p:stCondLst>
+                                        </p:cTn>
+                                        <p:tgtEl>
+                                          <p:spTgt spid="4"/>
+                                        </p:tgtEl>
+                                        <p:attrNameLst>
+                                          <p:attrName>style.visibility</p:attrName>
+                                        </p:attrNameLst>
+                                      </p:cBhvr>
+                                      <p:to>
+                                        <p:strVal val="visible"/>
+                                      </p:to>
+                                    </p:set>
+                                    <p:animEffect transition="in" filter="wipe(left)">
+                                      <p:cBhvr>
+                                        <p:cTn id="7" dur="2000"/>
+                                        <p:tgtEl>
+                                          <p:spTgt spid="4"/>
+                                        </p:tgtEl>
+                                      </p:cBhvr>
+                                    </p:animEffect>
+                                  </p:childTnLst>
+                                </p:cTn>
+                              </p:par>
+                            </p:childTnLst>
+                          </p:cTn>
+                        </p:par>
+                      </p:childTnLst>
+                    </p:cTn>
+                  </p:par>
+                  <p:par>
+                    <p:cTn id="8" fill="hold">
+                      <p:stCondLst>
+                        <p:cond delay="indefinite"/>
+                      </p:stCondLst>
+                      <p:childTnLst>
+                        <p:par>
+                          <p:cTn id="9" fill="hold">
+                            <p:stCondLst>
+                              <p:cond delay="0"/>
+                            </p:stCondLst>
+                            <p:childTnLst>
+                              <p:par>
+                                <p:cTn id="10" presetID="10" presetClass="entr" presetSubtype="0" fill="hold" nodeType="clickEffect">
+                                  <p:stCondLst>
+                                    <p:cond delay="0"/>
+                                  </p:stCondLst>
+                                  <p:childTnLst>
+                                    <p:set>
+                                      <p:cBhvr>
+                                        <p:cTn id="11" dur="1" fill="hold">
+                                          <p:stCondLst>
+                                            <p:cond delay="0"/>
+                                          </p:stCondLst>
+                                        </p:cTn>
+                                        <p:tgtEl>
+                                          <p:spTgt spid="17"/>
+                                        </p:tgtEl>
+                                        <p:attrNameLst>
+                                          <p:attrName>style.visibility</p:attrName>
+                                        </p:attrNameLst>
+                                      </p:cBhvr>
+                                      <p:to>
+                                        <p:strVal val="visible"/>
+                                      </p:to>
+                                    </p:set>
+                                    <p:animEffect transition="in" filter="fade">
+                                      <p:cBhvr>
+                                        <p:cTn id="12" dur="500"/>
+                                        <p:tgtEl>
+                                          <p:spTgt spid="17"/>
+                                        </p:tgtEl>
+                                      </p:cBhvr>
+                                    </p:animEffect>
+                                  </p:childTnLst>
+                                </p:cTn>
+                              </p:par>
+                            </p:childTnLst>
+                          </p:cTn>
+                        </p:par>
+                      </p:childTnLst>
+                    </p:cTn>
+                  </p:par>
+                  <p:par>
+                    <p:cTn id="13" fill="hold">
+                      <p:stCondLst>
+                        <p:cond delay="indefinite"/>
+                      </p:stCondLst>
+                      <p:childTnLst>
+                        <p:par>
+                          <p:cTn id="14" fill="hold">
+                            <p:stCondLst>
+                              <p:cond delay="0"/>
+                            </p:stCondLst>
+                            <p:childTnLst>
+                              <p:par>
+                                <p:cTn id="15" presetID="10" presetClass="entr" presetSubtype="0" fill="hold" nodeType="clickEffect">
+                                  <p:stCondLst>
+                                    <p:cond delay="0"/>
+                                  </p:stCondLst>
+                                  <p:childTnLst>
+                                    <p:set>
+                                      <p:cBhvr>
+                                        <p:cTn id="16" dur="1" fill="hold">
+                                          <p:stCondLst>
+                                            <p:cond delay="0"/>
+                                          </p:stCondLst>
+                                        </p:cTn>
+                                        <p:tgtEl>
+                                          <p:spTgt spid="7"/>
+                                        </p:tgtEl>
+                                        <p:attrNameLst>
+                                          <p:attrName>style.visibility</p:attrName>
+                                        </p:attrNameLst>
+                                      </p:cBhvr>
+                                      <p:to>
+                                        <p:strVal val="visible"/>
+                                      </p:to>
+                                    </p:set>
+                                    <p:animEffect transition="in" filter="fade">
+                                      <p:cBhvr>
+                                        <p:cTn id="17" dur="500"/>
+                                        <p:tgtEl>
+                                          <p:spTgt spid="7"/>
+                                        </p:tgtEl>
+                                      </p:cBhvr>
+                                    </p:animEffect>
+                                  </p:childTnLst>
+                                </p:cTn>
+                              </p:par>
+                            </p:childTnLst>
+                          </p:cTn>
+                        </p:par>
+                      </p:childTnLst>
+                    </p:cTn>
+                  </p:par>
+                  <p:par>
+                    <p:cTn id="18" fill="hold">
+                      <p:stCondLst>
+                        <p:cond delay="indefinite"/>
+                      </p:stCondLst>
+                      <p:childTnLst>
+                        <p:par>
+                          <p:cTn id="19" fill="hold">
+                            <p:stCondLst>
+                              <p:cond delay="0"/>
+                            </p:stCondLst>
+                            <p:childTnLst>
+                              <p:par>
+                                <p:cTn id="20" presetID="10" presetClass="entr" presetSubtype="0" fill="hold" grpId="0" nodeType="clickEffect">
+                                  <p:stCondLst>
+                                    <p:cond delay="0"/>
+                                  </p:stCondLst>
+                                  <p:childTnLst>
+                                    <p:set>
+                                      <p:cBhvr>
+                                        <p:cTn id="21" dur="1" fill="hold">
+                                          <p:stCondLst>
+                                            <p:cond delay="0"/>
+                                          </p:stCondLst>
+                                        </p:cTn>
+                                        <p:tgtEl>
+                                          <p:spTgt spid="8"/>
+                                        </p:tgtEl>
+                                        <p:attrNameLst>
+                                          <p:attrName>style.visibility</p:attrName>
+                                        </p:attrNameLst>
+                                      </p:cBhvr>
+                                      <p:to>
+                                        <p:strVal val="visible"/>
+                                      </p:to>
+                                    </p:set>
+                                    <p:animEffect transition="in" filter="fade">
+                                      <p:cBhvr>
+                                        <p:cTn id="22" dur="500"/>
+                                        <p:tgtEl>
+                                          <p:spTgt spid="8"/>
+                                        </p:tgtEl>
+                                      </p:cBhvr>
+                                    </p:animEffect>
+                                  </p:childTnLst>
+                                </p:cTn>
+                              </p:par>
+                              <p:par>
+                                <p:cTn id="23" presetID="10" presetClass="entr" presetSubtype="0" fill="hold" grpId="0" nodeType="withEffect">
+                                  <p:stCondLst>
+                                    <p:cond delay="0"/>
+                                  </p:stCondLst>
+                                  <p:childTnLst>
+                                    <p:set>
+                                      <p:cBhvr>
+                                        <p:cTn id="24" dur="1" fill="hold">
+                                          <p:stCondLst>
+                                            <p:cond delay="0"/>
+                                          </p:stCondLst>
+                                        </p:cTn>
+                                        <p:tgtEl>
+                                          <p:spTgt spid="2"/>
+                                        </p:tgtEl>
+                                        <p:attrNameLst>
+                                          <p:attrName>style.visibility</p:attrName>
+                                        </p:attrNameLst>
+                                      </p:cBhvr>
+                                      <p:to>
+                                        <p:strVal val="visible"/>
+                                      </p:to>
+                                    </p:set>
+                                    <p:animEffect transition="in" filter="fade">
+                                      <p:cBhvr>
+                                        <p:cTn id="25" dur="500"/>
+                                        <p:tgtEl>
+                                          <p:spTgt spid="2"/>
+                                        </p:tgtEl>
+                                      </p:cBhvr>
+                                    </p:animEffect>
+                                  </p:childTnLst>
+                                </p:cTn>
+                              </p:par>
+                            </p:childTnLst>
+                          </p:cTn>
+                        </p:par>
+                      </p:childTnLst>
+                    </p:cTn>
+                  </p:par>
+                </p:childTnLst>
+              </p:cTn>
+              <p:prevCondLst>
+                <p:cond evt="onPrev" delay="0">
+                  <p:tgtEl>
+                    <p:sldTgt/>
+                  </p:tgtEl>
+                </p:cond>
+              </p:prevCondLst>
+              <p:nextCondLst>
+                <p:cond evt="onNext" delay="0">
+                  <p:tgtEl>
+                    <p:sldTgt/>
+                  </p:tgtEl>
+                </p:cond>
+              </p:nextCondLst>
+            </p:seq>
+          </p:childTnLst>
+        </p:cTn>
+      </p:par>
+    </p:tnLst>
+    <p:bldLst>
+      <p:bldP spid="8" grpId="0" animBg="1"/>
+      <p:bldP spid="2" grpId="0"/>
+    </p:bldLst>
   </p:timing>
 </p:sld>
 </file>
@@ -2735,7 +4280,7 @@
           <a:graphicData uri="http://schemas.openxmlformats.org/presentationml/2006/ole">
             <mc:AlternateContent xmlns:mc="http://schemas.openxmlformats.org/markup-compatibility/2006">
               <mc:Choice xmlns:v="urn:schemas-microsoft-com:vml" Requires="v">
-                <p:oleObj spid="_x0000_s326701" name="Equation" r:id="rId3" imgW="508000" imgH="215900" progId="Equation.DSMT4">
+                <p:oleObj spid="_x0000_s326709" name="Equation" r:id="rId3" imgW="508000" imgH="215900" progId="Equation.DSMT4">
                   <p:embed/>
                 </p:oleObj>
               </mc:Choice>
@@ -2792,7 +4337,7 @@
           <a:graphicData uri="http://schemas.openxmlformats.org/presentationml/2006/ole">
             <mc:AlternateContent xmlns:mc="http://schemas.openxmlformats.org/markup-compatibility/2006">
               <mc:Choice xmlns:v="urn:schemas-microsoft-com:vml" Requires="v">
-                <p:oleObj spid="_x0000_s326702" name="Equation" r:id="rId5" imgW="1333500" imgH="469900" progId="Equation.DSMT4">
+                <p:oleObj spid="_x0000_s326710" name="Equation" r:id="rId5" imgW="1333500" imgH="469900" progId="Equation.DSMT4">
                   <p:embed/>
                 </p:oleObj>
               </mc:Choice>
@@ -2849,7 +4394,7 @@
           <a:graphicData uri="http://schemas.openxmlformats.org/presentationml/2006/ole">
             <mc:AlternateContent xmlns:mc="http://schemas.openxmlformats.org/markup-compatibility/2006">
               <mc:Choice xmlns:v="urn:schemas-microsoft-com:vml" Requires="v">
-                <p:oleObj spid="_x0000_s326703" name="Equation" r:id="rId7" imgW="1866900" imgH="469900" progId="Equation.DSMT4">
+                <p:oleObj spid="_x0000_s326711" name="Equation" r:id="rId7" imgW="1866900" imgH="469900" progId="Equation.DSMT4">
                   <p:embed/>
                 </p:oleObj>
               </mc:Choice>
@@ -2908,794 +4453,6 @@
 </file>
 
 <file path=ppt/slides/slide3.xml><?xml version="1.0" encoding="utf-8"?>
-<p:sld xmlns:a="http://schemas.openxmlformats.org/drawingml/2006/main" xmlns:r="http://schemas.openxmlformats.org/officeDocument/2006/relationships" xmlns:p="http://schemas.openxmlformats.org/presentationml/2006/main">
-  <p:cSld>
-    <p:spTree>
-      <p:nvGrpSpPr>
-        <p:cNvPr id="1" name=""/>
-        <p:cNvGrpSpPr/>
-        <p:nvPr/>
-      </p:nvGrpSpPr>
-      <p:grpSpPr>
-        <a:xfrm>
-          <a:off x="0" y="0"/>
-          <a:ext cx="0" cy="0"/>
-          <a:chOff x="0" y="0"/>
-          <a:chExt cx="0" cy="0"/>
-        </a:xfrm>
-      </p:grpSpPr>
-      <p:sp>
-        <p:nvSpPr>
-          <p:cNvPr id="2" name="Title 1"/>
-          <p:cNvSpPr>
-            <a:spLocks noGrp="1"/>
-          </p:cNvSpPr>
-          <p:nvPr>
-            <p:ph type="title"/>
-          </p:nvPr>
-        </p:nvSpPr>
-        <p:spPr>
-          <a:xfrm>
-            <a:off x="1447800" y="457200"/>
-            <a:ext cx="6172200" cy="762000"/>
-          </a:xfrm>
-        </p:spPr>
-        <p:txBody>
-          <a:bodyPr/>
-          <a:lstStyle/>
-          <a:p>
-            <a:r>
-              <a:rPr lang="en-US" dirty="0" smtClean="0"/>
-              <a:t>Derivatives &amp; </a:t>
-            </a:r>
-            <a:r>
-              <a:rPr lang="en-US" dirty="0" err="1" smtClean="0"/>
-              <a:t>Coefficents</a:t>
-            </a:r>
-            <a:endParaRPr lang="en-US" dirty="0"/>
-          </a:p>
-        </p:txBody>
-      </p:sp>
-      <p:sp>
-        <p:nvSpPr>
-          <p:cNvPr id="3" name="Slide Number Placeholder 2"/>
-          <p:cNvSpPr>
-            <a:spLocks noGrp="1"/>
-          </p:cNvSpPr>
-          <p:nvPr>
-            <p:ph type="sldNum" sz="quarter" idx="10"/>
-          </p:nvPr>
-        </p:nvSpPr>
-        <p:spPr/>
-        <p:txBody>
-          <a:bodyPr/>
-          <a:lstStyle/>
-          <a:p>
-            <a:pPr>
-              <a:defRPr/>
-            </a:pPr>
-            <a:r>
-              <a:rPr lang="en-US" dirty="0" err="1" smtClean="0"/>
-              <a:t>maclauren</a:t>
-            </a:r>
-            <a:r>
-              <a:rPr lang="en-US" dirty="0" smtClean="0"/>
-              <a:t>.</a:t>
-            </a:r>
-            <a:fld id="{A585D087-0720-40C8-BCB9-442D95888E3B}" type="slidenum">
-              <a:rPr lang="en-US" smtClean="0"/>
-              <a:pPr>
-                <a:defRPr/>
-              </a:pPr>
-              <a:t>3</a:t>
-            </a:fld>
-            <a:endParaRPr lang="en-US" dirty="0"/>
-          </a:p>
-        </p:txBody>
-      </p:sp>
-      <p:graphicFrame>
-        <p:nvGraphicFramePr>
-          <p:cNvPr id="5" name="Object 4"/>
-          <p:cNvGraphicFramePr>
-            <a:graphicFrameLocks noChangeAspect="1"/>
-          </p:cNvGraphicFramePr>
-          <p:nvPr>
-            <p:extLst>
-              <p:ext uri="{D42A27DB-BD31-4B8C-83A1-F6EECF244321}">
-                <p14:modId xmlns:p14="http://schemas.microsoft.com/office/powerpoint/2010/main" val="3038399269"/>
-              </p:ext>
-            </p:extLst>
-          </p:nvPr>
-        </p:nvGraphicFramePr>
-        <p:xfrm>
-          <a:off x="-19050" y="1066800"/>
-          <a:ext cx="9182100" cy="1025525"/>
-        </p:xfrm>
-        <a:graphic>
-          <a:graphicData uri="http://schemas.openxmlformats.org/presentationml/2006/ole">
-            <mc:AlternateContent xmlns:mc="http://schemas.openxmlformats.org/markup-compatibility/2006">
-              <mc:Choice xmlns:v="urn:schemas-microsoft-com:vml" Requires="v">
-                <p:oleObj spid="_x0000_s325754" name="Equation" r:id="rId3" imgW="2616200" imgH="292100" progId="Equation.DSMT4">
-                  <p:embed/>
-                </p:oleObj>
-              </mc:Choice>
-              <mc:Fallback>
-                <p:oleObj name="Equation" r:id="rId3" imgW="2616200" imgH="292100" progId="Equation.DSMT4">
-                  <p:embed/>
-                  <p:pic>
-                    <p:nvPicPr>
-                      <p:cNvPr id="0" name=""/>
-                      <p:cNvPicPr/>
-                      <p:nvPr/>
-                    </p:nvPicPr>
-                    <p:blipFill>
-                      <a:blip r:embed="rId4"/>
-                      <a:stretch>
-                        <a:fillRect/>
-                      </a:stretch>
-                    </p:blipFill>
-                    <p:spPr>
-                      <a:xfrm>
-                        <a:off x="-19050" y="1066800"/>
-                        <a:ext cx="9182100" cy="1025525"/>
-                      </a:xfrm>
-                      <a:prstGeom prst="rect">
-                        <a:avLst/>
-                      </a:prstGeom>
-                    </p:spPr>
-                  </p:pic>
-                </p:oleObj>
-              </mc:Fallback>
-            </mc:AlternateContent>
-          </a:graphicData>
-        </a:graphic>
-      </p:graphicFrame>
-      <p:graphicFrame>
-        <p:nvGraphicFramePr>
-          <p:cNvPr id="13" name="Object 12"/>
-          <p:cNvGraphicFramePr>
-            <a:graphicFrameLocks noChangeAspect="1"/>
-          </p:cNvGraphicFramePr>
-          <p:nvPr>
-            <p:extLst>
-              <p:ext uri="{D42A27DB-BD31-4B8C-83A1-F6EECF244321}">
-                <p14:modId xmlns:p14="http://schemas.microsoft.com/office/powerpoint/2010/main" val="2125384739"/>
-              </p:ext>
-            </p:extLst>
-          </p:nvPr>
-        </p:nvGraphicFramePr>
-        <p:xfrm>
-          <a:off x="161925" y="1905000"/>
-          <a:ext cx="2460625" cy="1028700"/>
-        </p:xfrm>
-        <a:graphic>
-          <a:graphicData uri="http://schemas.openxmlformats.org/presentationml/2006/ole">
-            <mc:AlternateContent xmlns:mc="http://schemas.openxmlformats.org/markup-compatibility/2006">
-              <mc:Choice xmlns:v="urn:schemas-microsoft-com:vml" Requires="v">
-                <p:oleObj spid="_x0000_s325755" name="Equation" r:id="rId5" imgW="698500" imgH="292100" progId="Equation.DSMT4">
-                  <p:embed/>
-                </p:oleObj>
-              </mc:Choice>
-              <mc:Fallback>
-                <p:oleObj name="Equation" r:id="rId5" imgW="698500" imgH="292100" progId="Equation.DSMT4">
-                  <p:embed/>
-                  <p:pic>
-                    <p:nvPicPr>
-                      <p:cNvPr id="0" name=""/>
-                      <p:cNvPicPr/>
-                      <p:nvPr/>
-                    </p:nvPicPr>
-                    <p:blipFill>
-                      <a:blip r:embed="rId6"/>
-                      <a:stretch>
-                        <a:fillRect/>
-                      </a:stretch>
-                    </p:blipFill>
-                    <p:spPr>
-                      <a:xfrm>
-                        <a:off x="161925" y="1905000"/>
-                        <a:ext cx="2460625" cy="1028700"/>
-                      </a:xfrm>
-                      <a:prstGeom prst="rect">
-                        <a:avLst/>
-                      </a:prstGeom>
-                    </p:spPr>
-                  </p:pic>
-                </p:oleObj>
-              </mc:Fallback>
-            </mc:AlternateContent>
-          </a:graphicData>
-        </a:graphic>
-      </p:graphicFrame>
-      <p:graphicFrame>
-        <p:nvGraphicFramePr>
-          <p:cNvPr id="14" name="Object 13"/>
-          <p:cNvGraphicFramePr>
-            <a:graphicFrameLocks noChangeAspect="1"/>
-          </p:cNvGraphicFramePr>
-          <p:nvPr>
-            <p:extLst>
-              <p:ext uri="{D42A27DB-BD31-4B8C-83A1-F6EECF244321}">
-                <p14:modId xmlns:p14="http://schemas.microsoft.com/office/powerpoint/2010/main" val="2709449544"/>
-              </p:ext>
-            </p:extLst>
-          </p:nvPr>
-        </p:nvGraphicFramePr>
-        <p:xfrm>
-          <a:off x="58738" y="2789238"/>
-          <a:ext cx="8980487" cy="868362"/>
-        </p:xfrm>
-        <a:graphic>
-          <a:graphicData uri="http://schemas.openxmlformats.org/presentationml/2006/ole">
-            <mc:AlternateContent xmlns:mc="http://schemas.openxmlformats.org/markup-compatibility/2006">
-              <mc:Choice xmlns:v="urn:schemas-microsoft-com:vml" Requires="v">
-                <p:oleObj spid="_x0000_s325756" name="Equation" r:id="rId7" imgW="3022600" imgH="292100" progId="Equation.DSMT4">
-                  <p:embed/>
-                </p:oleObj>
-              </mc:Choice>
-              <mc:Fallback>
-                <p:oleObj name="Equation" r:id="rId7" imgW="3022600" imgH="292100" progId="Equation.DSMT4">
-                  <p:embed/>
-                  <p:pic>
-                    <p:nvPicPr>
-                      <p:cNvPr id="0" name=""/>
-                      <p:cNvPicPr/>
-                      <p:nvPr/>
-                    </p:nvPicPr>
-                    <p:blipFill>
-                      <a:blip r:embed="rId8"/>
-                      <a:stretch>
-                        <a:fillRect/>
-                      </a:stretch>
-                    </p:blipFill>
-                    <p:spPr>
-                      <a:xfrm>
-                        <a:off x="58738" y="2789238"/>
-                        <a:ext cx="8980487" cy="868362"/>
-                      </a:xfrm>
-                      <a:prstGeom prst="rect">
-                        <a:avLst/>
-                      </a:prstGeom>
-                    </p:spPr>
-                  </p:pic>
-                </p:oleObj>
-              </mc:Fallback>
-            </mc:AlternateContent>
-          </a:graphicData>
-        </a:graphic>
-      </p:graphicFrame>
-      <p:graphicFrame>
-        <p:nvGraphicFramePr>
-          <p:cNvPr id="15" name="Object 14"/>
-          <p:cNvGraphicFramePr>
-            <a:graphicFrameLocks noChangeAspect="1"/>
-          </p:cNvGraphicFramePr>
-          <p:nvPr>
-            <p:extLst>
-              <p:ext uri="{D42A27DB-BD31-4B8C-83A1-F6EECF244321}">
-                <p14:modId xmlns:p14="http://schemas.microsoft.com/office/powerpoint/2010/main" val="3772795592"/>
-              </p:ext>
-            </p:extLst>
-          </p:nvPr>
-        </p:nvGraphicFramePr>
-        <p:xfrm>
-          <a:off x="139700" y="3505200"/>
-          <a:ext cx="2505075" cy="1028700"/>
-        </p:xfrm>
-        <a:graphic>
-          <a:graphicData uri="http://schemas.openxmlformats.org/presentationml/2006/ole">
-            <mc:AlternateContent xmlns:mc="http://schemas.openxmlformats.org/markup-compatibility/2006">
-              <mc:Choice xmlns:v="urn:schemas-microsoft-com:vml" Requires="v">
-                <p:oleObj spid="_x0000_s325757" name="Equation" r:id="rId9" imgW="711200" imgH="292100" progId="Equation.DSMT4">
-                  <p:embed/>
-                </p:oleObj>
-              </mc:Choice>
-              <mc:Fallback>
-                <p:oleObj name="Equation" r:id="rId9" imgW="711200" imgH="292100" progId="Equation.DSMT4">
-                  <p:embed/>
-                  <p:pic>
-                    <p:nvPicPr>
-                      <p:cNvPr id="0" name=""/>
-                      <p:cNvPicPr/>
-                      <p:nvPr/>
-                    </p:nvPicPr>
-                    <p:blipFill>
-                      <a:blip r:embed="rId10"/>
-                      <a:stretch>
-                        <a:fillRect/>
-                      </a:stretch>
-                    </p:blipFill>
-                    <p:spPr>
-                      <a:xfrm>
-                        <a:off x="139700" y="3505200"/>
-                        <a:ext cx="2505075" cy="1028700"/>
-                      </a:xfrm>
-                      <a:prstGeom prst="rect">
-                        <a:avLst/>
-                      </a:prstGeom>
-                    </p:spPr>
-                  </p:pic>
-                </p:oleObj>
-              </mc:Fallback>
-            </mc:AlternateContent>
-          </a:graphicData>
-        </a:graphic>
-      </p:graphicFrame>
-      <p:graphicFrame>
-        <p:nvGraphicFramePr>
-          <p:cNvPr id="17" name="Object 16"/>
-          <p:cNvGraphicFramePr>
-            <a:graphicFrameLocks noChangeAspect="1"/>
-          </p:cNvGraphicFramePr>
-          <p:nvPr>
-            <p:extLst>
-              <p:ext uri="{D42A27DB-BD31-4B8C-83A1-F6EECF244321}">
-                <p14:modId xmlns:p14="http://schemas.microsoft.com/office/powerpoint/2010/main" val="826100951"/>
-              </p:ext>
-            </p:extLst>
-          </p:nvPr>
-        </p:nvGraphicFramePr>
-        <p:xfrm>
-          <a:off x="131763" y="4914900"/>
-          <a:ext cx="2908300" cy="1028700"/>
-        </p:xfrm>
-        <a:graphic>
-          <a:graphicData uri="http://schemas.openxmlformats.org/presentationml/2006/ole">
-            <mc:AlternateContent xmlns:mc="http://schemas.openxmlformats.org/markup-compatibility/2006">
-              <mc:Choice xmlns:v="urn:schemas-microsoft-com:vml" Requires="v">
-                <p:oleObj spid="_x0000_s325758" name="Equation" r:id="rId11" imgW="825500" imgH="292100" progId="Equation.DSMT4">
-                  <p:embed/>
-                </p:oleObj>
-              </mc:Choice>
-              <mc:Fallback>
-                <p:oleObj name="Equation" r:id="rId11" imgW="825500" imgH="292100" progId="Equation.DSMT4">
-                  <p:embed/>
-                  <p:pic>
-                    <p:nvPicPr>
-                      <p:cNvPr id="0" name=""/>
-                      <p:cNvPicPr/>
-                      <p:nvPr/>
-                    </p:nvPicPr>
-                    <p:blipFill>
-                      <a:blip r:embed="rId12"/>
-                      <a:stretch>
-                        <a:fillRect/>
-                      </a:stretch>
-                    </p:blipFill>
-                    <p:spPr>
-                      <a:xfrm>
-                        <a:off x="131763" y="4914900"/>
-                        <a:ext cx="2908300" cy="1028700"/>
-                      </a:xfrm>
-                      <a:prstGeom prst="rect">
-                        <a:avLst/>
-                      </a:prstGeom>
-                    </p:spPr>
-                  </p:pic>
-                </p:oleObj>
-              </mc:Fallback>
-            </mc:AlternateContent>
-          </a:graphicData>
-        </a:graphic>
-      </p:graphicFrame>
-      <p:graphicFrame>
-        <p:nvGraphicFramePr>
-          <p:cNvPr id="18" name="Object 17"/>
-          <p:cNvGraphicFramePr>
-            <a:graphicFrameLocks noChangeAspect="1"/>
-          </p:cNvGraphicFramePr>
-          <p:nvPr>
-            <p:extLst>
-              <p:ext uri="{D42A27DB-BD31-4B8C-83A1-F6EECF244321}">
-                <p14:modId xmlns:p14="http://schemas.microsoft.com/office/powerpoint/2010/main" val="3329552722"/>
-              </p:ext>
-            </p:extLst>
-          </p:nvPr>
-        </p:nvGraphicFramePr>
-        <p:xfrm>
-          <a:off x="87313" y="4267200"/>
-          <a:ext cx="9140825" cy="838200"/>
-        </p:xfrm>
-        <a:graphic>
-          <a:graphicData uri="http://schemas.openxmlformats.org/presentationml/2006/ole">
-            <mc:AlternateContent xmlns:mc="http://schemas.openxmlformats.org/markup-compatibility/2006">
-              <mc:Choice xmlns:v="urn:schemas-microsoft-com:vml" Requires="v">
-                <p:oleObj spid="_x0000_s325759" name="Equation" r:id="rId13" imgW="3187700" imgH="292100" progId="Equation.DSMT4">
-                  <p:embed/>
-                </p:oleObj>
-              </mc:Choice>
-              <mc:Fallback>
-                <p:oleObj name="Equation" r:id="rId13" imgW="3187700" imgH="292100" progId="Equation.DSMT4">
-                  <p:embed/>
-                  <p:pic>
-                    <p:nvPicPr>
-                      <p:cNvPr id="0" name=""/>
-                      <p:cNvPicPr/>
-                      <p:nvPr/>
-                    </p:nvPicPr>
-                    <p:blipFill>
-                      <a:blip r:embed="rId14"/>
-                      <a:stretch>
-                        <a:fillRect/>
-                      </a:stretch>
-                    </p:blipFill>
-                    <p:spPr>
-                      <a:xfrm>
-                        <a:off x="87313" y="4267200"/>
-                        <a:ext cx="9140825" cy="838200"/>
-                      </a:xfrm>
-                      <a:prstGeom prst="rect">
-                        <a:avLst/>
-                      </a:prstGeom>
-                    </p:spPr>
-                  </p:pic>
-                </p:oleObj>
-              </mc:Fallback>
-            </mc:AlternateContent>
-          </a:graphicData>
-        </a:graphic>
-      </p:graphicFrame>
-    </p:spTree>
-    <p:extLst>
-      <p:ext uri="{BB962C8B-B14F-4D97-AF65-F5344CB8AC3E}">
-        <p14:creationId xmlns:p14="http://schemas.microsoft.com/office/powerpoint/2010/main" val="1707745182"/>
-      </p:ext>
-    </p:extLst>
-  </p:cSld>
-  <p:clrMapOvr>
-    <a:masterClrMapping/>
-  </p:clrMapOvr>
-  <p:transition xmlns:p14="http://schemas.microsoft.com/office/powerpoint/2010/main" spd="slow" advClick="0">
-    <p:fade thruBlk="1"/>
-  </p:transition>
-  <p:timing>
-    <p:tnLst>
-      <p:par>
-        <p:cTn xmlns:p14="http://schemas.microsoft.com/office/powerpoint/2010/main" id="1" dur="indefinite" restart="never" nodeType="tmRoot"/>
-      </p:par>
-    </p:tnLst>
-  </p:timing>
-</p:sld>
-</file>
-
-<file path=ppt/slides/slide4.xml><?xml version="1.0" encoding="utf-8"?>
-<p:sld xmlns:a="http://schemas.openxmlformats.org/drawingml/2006/main" xmlns:r="http://schemas.openxmlformats.org/officeDocument/2006/relationships" xmlns:p="http://schemas.openxmlformats.org/presentationml/2006/main">
-  <p:cSld>
-    <p:spTree>
-      <p:nvGrpSpPr>
-        <p:cNvPr id="1" name=""/>
-        <p:cNvGrpSpPr/>
-        <p:nvPr/>
-      </p:nvGrpSpPr>
-      <p:grpSpPr>
-        <a:xfrm>
-          <a:off x="0" y="0"/>
-          <a:ext cx="0" cy="0"/>
-          <a:chOff x="0" y="0"/>
-          <a:chExt cx="0" cy="0"/>
-        </a:xfrm>
-      </p:grpSpPr>
-      <p:sp>
-        <p:nvSpPr>
-          <p:cNvPr id="3" name="Slide Number Placeholder 2"/>
-          <p:cNvSpPr>
-            <a:spLocks noGrp="1"/>
-          </p:cNvSpPr>
-          <p:nvPr>
-            <p:ph type="sldNum" sz="quarter" idx="10"/>
-          </p:nvPr>
-        </p:nvSpPr>
-        <p:spPr/>
-        <p:txBody>
-          <a:bodyPr/>
-          <a:lstStyle/>
-          <a:p>
-            <a:pPr>
-              <a:defRPr/>
-            </a:pPr>
-            <a:r>
-              <a:rPr lang="en-US" dirty="0" err="1" smtClean="0"/>
-              <a:t>maclauren</a:t>
-            </a:r>
-            <a:r>
-              <a:rPr lang="en-US" dirty="0" smtClean="0"/>
-              <a:t>.</a:t>
-            </a:r>
-            <a:fld id="{A585D087-0720-40C8-BCB9-442D95888E3B}" type="slidenum">
-              <a:rPr lang="en-US" smtClean="0"/>
-              <a:pPr>
-                <a:defRPr/>
-              </a:pPr>
-              <a:t>4</a:t>
-            </a:fld>
-            <a:endParaRPr lang="en-US" dirty="0"/>
-          </a:p>
-        </p:txBody>
-      </p:sp>
-      <p:graphicFrame>
-        <p:nvGraphicFramePr>
-          <p:cNvPr id="17" name="Object 16"/>
-          <p:cNvGraphicFramePr>
-            <a:graphicFrameLocks noChangeAspect="1"/>
-          </p:cNvGraphicFramePr>
-          <p:nvPr>
-            <p:extLst>
-              <p:ext uri="{D42A27DB-BD31-4B8C-83A1-F6EECF244321}">
-                <p14:modId xmlns:p14="http://schemas.microsoft.com/office/powerpoint/2010/main" val="2427991558"/>
-              </p:ext>
-            </p:extLst>
-          </p:nvPr>
-        </p:nvGraphicFramePr>
-        <p:xfrm>
-          <a:off x="287338" y="3352800"/>
-          <a:ext cx="3905250" cy="1181100"/>
-        </p:xfrm>
-        <a:graphic>
-          <a:graphicData uri="http://schemas.openxmlformats.org/presentationml/2006/ole">
-            <mc:AlternateContent xmlns:mc="http://schemas.openxmlformats.org/markup-compatibility/2006">
-              <mc:Choice xmlns:v="urn:schemas-microsoft-com:vml" Requires="v">
-                <p:oleObj spid="_x0000_s327753" name="Equation" r:id="rId3" imgW="965200" imgH="292100" progId="Equation.DSMT4">
-                  <p:embed/>
-                </p:oleObj>
-              </mc:Choice>
-              <mc:Fallback>
-                <p:oleObj name="Equation" r:id="rId3" imgW="965200" imgH="292100" progId="Equation.DSMT4">
-                  <p:embed/>
-                  <p:pic>
-                    <p:nvPicPr>
-                      <p:cNvPr id="0" name=""/>
-                      <p:cNvPicPr/>
-                      <p:nvPr/>
-                    </p:nvPicPr>
-                    <p:blipFill>
-                      <a:blip r:embed="rId4"/>
-                      <a:stretch>
-                        <a:fillRect/>
-                      </a:stretch>
-                    </p:blipFill>
-                    <p:spPr>
-                      <a:xfrm>
-                        <a:off x="287338" y="3352800"/>
-                        <a:ext cx="3905250" cy="1181100"/>
-                      </a:xfrm>
-                      <a:prstGeom prst="rect">
-                        <a:avLst/>
-                      </a:prstGeom>
-                    </p:spPr>
-                  </p:pic>
-                </p:oleObj>
-              </mc:Fallback>
-            </mc:AlternateContent>
-          </a:graphicData>
-        </a:graphic>
-      </p:graphicFrame>
-      <p:graphicFrame>
-        <p:nvGraphicFramePr>
-          <p:cNvPr id="18" name="Object 17"/>
-          <p:cNvGraphicFramePr>
-            <a:graphicFrameLocks noChangeAspect="1"/>
-          </p:cNvGraphicFramePr>
-          <p:nvPr>
-            <p:extLst>
-              <p:ext uri="{D42A27DB-BD31-4B8C-83A1-F6EECF244321}">
-                <p14:modId xmlns:p14="http://schemas.microsoft.com/office/powerpoint/2010/main" val="1144927605"/>
-              </p:ext>
-            </p:extLst>
-          </p:nvPr>
-        </p:nvGraphicFramePr>
-        <p:xfrm>
-          <a:off x="357188" y="1371600"/>
-          <a:ext cx="2451100" cy="962025"/>
-        </p:xfrm>
-        <a:graphic>
-          <a:graphicData uri="http://schemas.openxmlformats.org/presentationml/2006/ole">
-            <mc:AlternateContent xmlns:mc="http://schemas.openxmlformats.org/markup-compatibility/2006">
-              <mc:Choice xmlns:v="urn:schemas-microsoft-com:vml" Requires="v">
-                <p:oleObj spid="_x0000_s327754" name="Equation" r:id="rId5" imgW="647700" imgH="254000" progId="Equation.DSMT4">
-                  <p:embed/>
-                </p:oleObj>
-              </mc:Choice>
-              <mc:Fallback>
-                <p:oleObj name="Equation" r:id="rId5" imgW="647700" imgH="254000" progId="Equation.DSMT4">
-                  <p:embed/>
-                  <p:pic>
-                    <p:nvPicPr>
-                      <p:cNvPr id="0" name=""/>
-                      <p:cNvPicPr/>
-                      <p:nvPr/>
-                    </p:nvPicPr>
-                    <p:blipFill>
-                      <a:blip r:embed="rId6"/>
-                      <a:stretch>
-                        <a:fillRect/>
-                      </a:stretch>
-                    </p:blipFill>
-                    <p:spPr>
-                      <a:xfrm>
-                        <a:off x="357188" y="1371600"/>
-                        <a:ext cx="2451100" cy="962025"/>
-                      </a:xfrm>
-                      <a:prstGeom prst="rect">
-                        <a:avLst/>
-                      </a:prstGeom>
-                    </p:spPr>
-                  </p:pic>
-                </p:oleObj>
-              </mc:Fallback>
-            </mc:AlternateContent>
-          </a:graphicData>
-        </a:graphic>
-      </p:graphicFrame>
-      <p:graphicFrame>
-        <p:nvGraphicFramePr>
-          <p:cNvPr id="4" name="Object 3"/>
-          <p:cNvGraphicFramePr>
-            <a:graphicFrameLocks noChangeAspect="1"/>
-          </p:cNvGraphicFramePr>
-          <p:nvPr>
-            <p:extLst>
-              <p:ext uri="{D42A27DB-BD31-4B8C-83A1-F6EECF244321}">
-                <p14:modId xmlns:p14="http://schemas.microsoft.com/office/powerpoint/2010/main" val="3025402442"/>
-              </p:ext>
-            </p:extLst>
-          </p:nvPr>
-        </p:nvGraphicFramePr>
-        <p:xfrm>
-          <a:off x="412750" y="1981200"/>
-          <a:ext cx="8555038" cy="1485900"/>
-        </p:xfrm>
-        <a:graphic>
-          <a:graphicData uri="http://schemas.openxmlformats.org/presentationml/2006/ole">
-            <mc:AlternateContent xmlns:mc="http://schemas.openxmlformats.org/markup-compatibility/2006">
-              <mc:Choice xmlns:v="urn:schemas-microsoft-com:vml" Requires="v">
-                <p:oleObj spid="_x0000_s327755" name="Equation" r:id="rId7" imgW="2705100" imgH="469900" progId="Equation.DSMT4">
-                  <p:embed/>
-                </p:oleObj>
-              </mc:Choice>
-              <mc:Fallback>
-                <p:oleObj name="Equation" r:id="rId7" imgW="2705100" imgH="469900" progId="Equation.DSMT4">
-                  <p:embed/>
-                  <p:pic>
-                    <p:nvPicPr>
-                      <p:cNvPr id="0" name=""/>
-                      <p:cNvPicPr/>
-                      <p:nvPr/>
-                    </p:nvPicPr>
-                    <p:blipFill>
-                      <a:blip r:embed="rId8"/>
-                      <a:stretch>
-                        <a:fillRect/>
-                      </a:stretch>
-                    </p:blipFill>
-                    <p:spPr>
-                      <a:xfrm>
-                        <a:off x="412750" y="1981200"/>
-                        <a:ext cx="8555038" cy="1485900"/>
-                      </a:xfrm>
-                      <a:prstGeom prst="rect">
-                        <a:avLst/>
-                      </a:prstGeom>
-                    </p:spPr>
-                  </p:pic>
-                </p:oleObj>
-              </mc:Fallback>
-            </mc:AlternateContent>
-          </a:graphicData>
-        </a:graphic>
-      </p:graphicFrame>
-      <p:sp>
-        <p:nvSpPr>
-          <p:cNvPr id="12" name="Title 1"/>
-          <p:cNvSpPr>
-            <a:spLocks noGrp="1"/>
-          </p:cNvSpPr>
-          <p:nvPr>
-            <p:ph type="title"/>
-          </p:nvPr>
-        </p:nvSpPr>
-        <p:spPr>
-          <a:xfrm>
-            <a:off x="1447800" y="457200"/>
-            <a:ext cx="6172200" cy="762000"/>
-          </a:xfrm>
-        </p:spPr>
-        <p:txBody>
-          <a:bodyPr/>
-          <a:lstStyle/>
-          <a:p>
-            <a:r>
-              <a:rPr lang="en-US" dirty="0" smtClean="0"/>
-              <a:t>Derivatives &amp; </a:t>
-            </a:r>
-            <a:r>
-              <a:rPr lang="en-US" dirty="0" err="1" smtClean="0"/>
-              <a:t>Coefficents</a:t>
-            </a:r>
-            <a:endParaRPr lang="en-US" dirty="0"/>
-          </a:p>
-        </p:txBody>
-      </p:sp>
-      <p:graphicFrame>
-        <p:nvGraphicFramePr>
-          <p:cNvPr id="7" name="Object 6"/>
-          <p:cNvGraphicFramePr>
-            <a:graphicFrameLocks noChangeAspect="1"/>
-          </p:cNvGraphicFramePr>
-          <p:nvPr>
-            <p:extLst>
-              <p:ext uri="{D42A27DB-BD31-4B8C-83A1-F6EECF244321}">
-                <p14:modId xmlns:p14="http://schemas.microsoft.com/office/powerpoint/2010/main" val="2121656395"/>
-              </p:ext>
-            </p:extLst>
-          </p:nvPr>
-        </p:nvGraphicFramePr>
-        <p:xfrm>
-          <a:off x="2820988" y="4114800"/>
-          <a:ext cx="3403600" cy="1851025"/>
-        </p:xfrm>
-        <a:graphic>
-          <a:graphicData uri="http://schemas.openxmlformats.org/presentationml/2006/ole">
-            <mc:AlternateContent xmlns:mc="http://schemas.openxmlformats.org/markup-compatibility/2006">
-              <mc:Choice xmlns:v="urn:schemas-microsoft-com:vml" Requires="v">
-                <p:oleObj spid="_x0000_s327756" name="Equation" r:id="rId9" imgW="863600" imgH="469900" progId="Equation.DSMT4">
-                  <p:embed/>
-                </p:oleObj>
-              </mc:Choice>
-              <mc:Fallback>
-                <p:oleObj name="Equation" r:id="rId9" imgW="863600" imgH="469900" progId="Equation.DSMT4">
-                  <p:embed/>
-                  <p:pic>
-                    <p:nvPicPr>
-                      <p:cNvPr id="0" name=""/>
-                      <p:cNvPicPr/>
-                      <p:nvPr/>
-                    </p:nvPicPr>
-                    <p:blipFill>
-                      <a:blip r:embed="rId10"/>
-                      <a:stretch>
-                        <a:fillRect/>
-                      </a:stretch>
-                    </p:blipFill>
-                    <p:spPr>
-                      <a:xfrm>
-                        <a:off x="2820988" y="4114800"/>
-                        <a:ext cx="3403600" cy="1851025"/>
-                      </a:xfrm>
-                      <a:prstGeom prst="rect">
-                        <a:avLst/>
-                      </a:prstGeom>
-                    </p:spPr>
-                  </p:pic>
-                </p:oleObj>
-              </mc:Fallback>
-            </mc:AlternateContent>
-          </a:graphicData>
-        </a:graphic>
-      </p:graphicFrame>
-    </p:spTree>
-    <p:extLst>
-      <p:ext uri="{BB962C8B-B14F-4D97-AF65-F5344CB8AC3E}">
-        <p14:creationId xmlns:p14="http://schemas.microsoft.com/office/powerpoint/2010/main" val="3971930883"/>
-      </p:ext>
-    </p:extLst>
-  </p:cSld>
-  <p:clrMapOvr>
-    <a:masterClrMapping/>
-  </p:clrMapOvr>
-  <p:transition xmlns:p14="http://schemas.microsoft.com/office/powerpoint/2010/main" spd="slow" advClick="0">
-    <p:fade/>
-  </p:transition>
-  <p:timing>
-    <p:tnLst>
-      <p:par>
-        <p:cTn xmlns:p14="http://schemas.microsoft.com/office/powerpoint/2010/main" id="1" dur="indefinite" restart="never" nodeType="tmRoot"/>
-      </p:par>
-    </p:tnLst>
-  </p:timing>
-</p:sld>
-</file>
-
-<file path=ppt/slides/slide5.xml><?xml version="1.0" encoding="utf-8"?>
 <p:sld xmlns:a="http://schemas.openxmlformats.org/drawingml/2006/main" xmlns:r="http://schemas.openxmlformats.org/officeDocument/2006/relationships" xmlns:p="http://schemas.openxmlformats.org/presentationml/2006/main">
   <p:cSld>
     <p:spTree>
@@ -3810,7 +4567,7 @@
               <a:pPr>
                 <a:defRPr/>
               </a:pPr>
-              <a:t>5</a:t>
+              <a:t>3</a:t>
             </a:fld>
             <a:endParaRPr lang="en-US" dirty="0"/>
           </a:p>
@@ -3870,7 +4627,7 @@
           <a:graphicData uri="http://schemas.openxmlformats.org/presentationml/2006/ole">
             <mc:AlternateContent xmlns:mc="http://schemas.openxmlformats.org/markup-compatibility/2006">
               <mc:Choice xmlns:v="urn:schemas-microsoft-com:vml" Requires="v">
-                <p:oleObj spid="_x0000_s328725" name="Equation" r:id="rId3" imgW="1282700" imgH="469900" progId="Equation.DSMT4">
+                <p:oleObj spid="_x0000_s328729" name="Equation" r:id="rId3" imgW="1282700" imgH="469900" progId="Equation.DSMT4">
                   <p:embed/>
                 </p:oleObj>
               </mc:Choice>
@@ -3928,7 +4685,7 @@
 </p:sld>
 </file>
 
-<file path=ppt/slides/slide6.xml><?xml version="1.0" encoding="utf-8"?>
+<file path=ppt/slides/slide4.xml><?xml version="1.0" encoding="utf-8"?>
 <p:sld xmlns:a="http://schemas.openxmlformats.org/drawingml/2006/main" xmlns:r="http://schemas.openxmlformats.org/officeDocument/2006/relationships" xmlns:p="http://schemas.openxmlformats.org/presentationml/2006/main">
   <p:cSld>
     <p:spTree>
@@ -3976,7 +4733,7 @@
               <a:pPr>
                 <a:defRPr/>
               </a:pPr>
-              <a:t>6</a:t>
+              <a:t>4</a:t>
             </a:fld>
             <a:endParaRPr lang="en-US" dirty="0"/>
           </a:p>
@@ -4036,7 +4793,7 @@
           <a:graphicData uri="http://schemas.openxmlformats.org/presentationml/2006/ole">
             <mc:AlternateContent xmlns:mc="http://schemas.openxmlformats.org/markup-compatibility/2006">
               <mc:Choice xmlns:v="urn:schemas-microsoft-com:vml" Requires="v">
-                <p:oleObj spid="_x0000_s1057" name="Equation" r:id="rId3" imgW="774700" imgH="584200" progId="Equation.DSMT4">
+                <p:oleObj spid="_x0000_s1067" name="Equation" r:id="rId3" imgW="774700" imgH="584200" progId="Equation.DSMT4">
                   <p:embed/>
                 </p:oleObj>
               </mc:Choice>
@@ -4080,7 +4837,7 @@
           <p:nvPr>
             <p:extLst>
               <p:ext uri="{D42A27DB-BD31-4B8C-83A1-F6EECF244321}">
-                <p14:modId xmlns:p14="http://schemas.microsoft.com/office/powerpoint/2010/main" val="1148118991"/>
+                <p14:modId xmlns:p14="http://schemas.microsoft.com/office/powerpoint/2010/main" val="2408753619"/>
               </p:ext>
             </p:extLst>
           </p:nvPr>
@@ -4093,7 +4850,7 @@
           <a:graphicData uri="http://schemas.openxmlformats.org/presentationml/2006/ole">
             <mc:AlternateContent xmlns:mc="http://schemas.openxmlformats.org/markup-compatibility/2006">
               <mc:Choice xmlns:v="urn:schemas-microsoft-com:vml" Requires="v">
-                <p:oleObj spid="_x0000_s1058" name="Equation" r:id="rId5" imgW="2146300" imgH="495300" progId="Equation.DSMT4">
+                <p:oleObj spid="_x0000_s1068" name="Equation" r:id="rId5" imgW="2146300" imgH="495300" progId="Equation.DSMT4">
                   <p:embed/>
                 </p:oleObj>
               </mc:Choice>
@@ -4150,7 +4907,7 @@
           <a:graphicData uri="http://schemas.openxmlformats.org/presentationml/2006/ole">
             <mc:AlternateContent xmlns:mc="http://schemas.openxmlformats.org/markup-compatibility/2006">
               <mc:Choice xmlns:v="urn:schemas-microsoft-com:vml" Requires="v">
-                <p:oleObj spid="_x0000_s1059" name="Equation" r:id="rId7" imgW="2324100" imgH="495300" progId="Equation.DSMT4">
+                <p:oleObj spid="_x0000_s1069" name="Equation" r:id="rId7" imgW="2324100" imgH="495300" progId="Equation.DSMT4">
                   <p:embed/>
                 </p:oleObj>
               </mc:Choice>
@@ -4274,7 +5031,7 @@
           <a:graphicData uri="http://schemas.openxmlformats.org/presentationml/2006/ole">
             <mc:AlternateContent xmlns:mc="http://schemas.openxmlformats.org/markup-compatibility/2006">
               <mc:Choice xmlns:v="urn:schemas-microsoft-com:vml" Requires="v">
-                <p:oleObj spid="_x0000_s1060" name="Equation" r:id="rId9" imgW="1282700" imgH="469900" progId="Equation.DSMT4">
+                <p:oleObj spid="_x0000_s1070" name="Equation" r:id="rId9" imgW="1282700" imgH="469900" progId="Equation.DSMT4">
                   <p:embed/>
                 </p:oleObj>
               </mc:Choice>
@@ -4343,7 +5100,7 @@
                             </p:stCondLst>
                             <p:childTnLst>
                               <p:par>
-                                <p:cTn id="5" presetID="10" presetClass="entr" presetSubtype="0" fill="hold" nodeType="clickEffect">
+                                <p:cTn id="5" presetID="22" presetClass="entr" presetSubtype="8" fill="hold" nodeType="clickEffect">
                                   <p:stCondLst>
                                     <p:cond delay="0"/>
                                   </p:stCondLst>
@@ -4356,7 +5113,7 @@
                                           </p:stCondLst>
                                         </p:cTn>
                                         <p:tgtEl>
-                                          <p:spTgt spid="2"/>
+                                          <p:spTgt spid="4"/>
                                         </p:tgtEl>
                                         <p:attrNameLst>
                                           <p:attrName>style.visibility</p:attrName>
@@ -4366,11 +5123,11 @@
                                         <p:strVal val="visible"/>
                                       </p:to>
                                     </p:set>
-                                    <p:animEffect transition="in" filter="fade">
+                                    <p:animEffect transition="in" filter="wipe(left)">
                                       <p:cBhvr>
-                                        <p:cTn id="7" dur="500"/>
+                                        <p:cTn id="7" dur="2000"/>
                                         <p:tgtEl>
-                                          <p:spTgt spid="2"/>
+                                          <p:spTgt spid="4"/>
                                         </p:tgtEl>
                                       </p:cBhvr>
                                     </p:animEffect>
@@ -4409,7 +5166,7 @@
                                           </p:stCondLst>
                                         </p:cTn>
                                         <p:tgtEl>
-                                          <p:spTgt spid="4"/>
+                                          <p:spTgt spid="10"/>
                                         </p:tgtEl>
                                         <p:attrNameLst>
                                           <p:attrName>style.visibility</p:attrName>
@@ -4422,59 +5179,6 @@
                                     <p:animEffect transition="in" filter="wipe(left)">
                                       <p:cBhvr>
                                         <p:cTn id="12" dur="2000"/>
-                                        <p:tgtEl>
-                                          <p:spTgt spid="4"/>
-                                        </p:tgtEl>
-                                      </p:cBhvr>
-                                    </p:animEffect>
-                                  </p:childTnLst>
-                                </p:cTn>
-                              </p:par>
-                            </p:childTnLst>
-                          </p:cTn>
-                        </p:par>
-                      </p:childTnLst>
-                    </p:cTn>
-                  </p:par>
-                  <p:par>
-                    <p:cTn id="13" fill="hold">
-                      <p:stCondLst>
-                        <p:cond delay="indefinite"/>
-                      </p:stCondLst>
-                      <p:childTnLst>
-                        <p:par>
-                          <p:cTn id="14" fill="hold">
-                            <p:stCondLst>
-                              <p:cond delay="0"/>
-                            </p:stCondLst>
-                            <p:childTnLst>
-                              <p:par>
-                                <p:cTn id="15" presetID="22" presetClass="entr" presetSubtype="8" fill="hold" nodeType="clickEffect">
-                                  <p:stCondLst>
-                                    <p:cond delay="0"/>
-                                  </p:stCondLst>
-                                  <p:childTnLst>
-                                    <p:set>
-                                      <p:cBhvr>
-                                        <p:cTn id="16" dur="1" fill="hold">
-                                          <p:stCondLst>
-                                            <p:cond delay="0"/>
-                                          </p:stCondLst>
-                                        </p:cTn>
-                                        <p:tgtEl>
-                                          <p:spTgt spid="10"/>
-                                        </p:tgtEl>
-                                        <p:attrNameLst>
-                                          <p:attrName>style.visibility</p:attrName>
-                                        </p:attrNameLst>
-                                      </p:cBhvr>
-                                      <p:to>
-                                        <p:strVal val="visible"/>
-                                      </p:to>
-                                    </p:set>
-                                    <p:animEffect transition="in" filter="wipe(left)">
-                                      <p:cBhvr>
-                                        <p:cTn id="17" dur="2000"/>
                                         <p:tgtEl>
                                           <p:spTgt spid="10"/>
                                         </p:tgtEl>
@@ -4508,6 +5212,533 @@
             </p:seq>
           </p:childTnLst>
         </p:cTn>
+      </p:par>
+    </p:tnLst>
+  </p:timing>
+</p:sld>
+</file>
+
+<file path=ppt/slides/slide5.xml><?xml version="1.0" encoding="utf-8"?>
+<p:sld xmlns:a="http://schemas.openxmlformats.org/drawingml/2006/main" xmlns:r="http://schemas.openxmlformats.org/officeDocument/2006/relationships" xmlns:p="http://schemas.openxmlformats.org/presentationml/2006/main">
+  <p:cSld>
+    <p:spTree>
+      <p:nvGrpSpPr>
+        <p:cNvPr id="1" name=""/>
+        <p:cNvGrpSpPr/>
+        <p:nvPr/>
+      </p:nvGrpSpPr>
+      <p:grpSpPr>
+        <a:xfrm>
+          <a:off x="0" y="0"/>
+          <a:ext cx="0" cy="0"/>
+          <a:chOff x="0" y="0"/>
+          <a:chExt cx="0" cy="0"/>
+        </a:xfrm>
+      </p:grpSpPr>
+      <p:sp>
+        <p:nvSpPr>
+          <p:cNvPr id="3" name="Slide Number Placeholder 2"/>
+          <p:cNvSpPr>
+            <a:spLocks noGrp="1"/>
+          </p:cNvSpPr>
+          <p:nvPr>
+            <p:ph type="sldNum" sz="quarter" idx="10"/>
+          </p:nvPr>
+        </p:nvSpPr>
+        <p:spPr/>
+        <p:txBody>
+          <a:bodyPr/>
+          <a:lstStyle/>
+          <a:p>
+            <a:pPr>
+              <a:defRPr/>
+            </a:pPr>
+            <a:r>
+              <a:rPr lang="en-US" dirty="0" err="1" smtClean="0"/>
+              <a:t>maclauren</a:t>
+            </a:r>
+            <a:r>
+              <a:rPr lang="en-US" dirty="0" smtClean="0"/>
+              <a:t>.</a:t>
+            </a:r>
+            <a:fld id="{A585D087-0720-40C8-BCB9-442D95888E3B}" type="slidenum">
+              <a:rPr lang="en-US" smtClean="0"/>
+              <a:pPr>
+                <a:defRPr/>
+              </a:pPr>
+              <a:t>5</a:t>
+            </a:fld>
+            <a:endParaRPr lang="en-US" dirty="0"/>
+          </a:p>
+        </p:txBody>
+      </p:sp>
+      <p:sp>
+        <p:nvSpPr>
+          <p:cNvPr id="12" name="Title 1"/>
+          <p:cNvSpPr>
+            <a:spLocks noGrp="1"/>
+          </p:cNvSpPr>
+          <p:nvPr>
+            <p:ph type="title"/>
+          </p:nvPr>
+        </p:nvSpPr>
+        <p:spPr>
+          <a:xfrm>
+            <a:off x="1447800" y="457200"/>
+            <a:ext cx="6172200" cy="762000"/>
+          </a:xfrm>
+        </p:spPr>
+        <p:txBody>
+          <a:bodyPr/>
+          <a:lstStyle/>
+          <a:p>
+            <a:r>
+              <a:rPr lang="en-US" dirty="0" smtClean="0"/>
+              <a:t>The coefficient</a:t>
+            </a:r>
+            <a:endParaRPr lang="en-US" dirty="0"/>
+          </a:p>
+        </p:txBody>
+      </p:sp>
+      <p:graphicFrame>
+        <p:nvGraphicFramePr>
+          <p:cNvPr id="10" name="Object 9"/>
+          <p:cNvGraphicFramePr>
+            <a:graphicFrameLocks noChangeAspect="1"/>
+          </p:cNvGraphicFramePr>
+          <p:nvPr>
+            <p:extLst>
+              <p:ext uri="{D42A27DB-BD31-4B8C-83A1-F6EECF244321}">
+                <p14:modId xmlns:p14="http://schemas.microsoft.com/office/powerpoint/2010/main" val="2563745039"/>
+              </p:ext>
+            </p:extLst>
+          </p:nvPr>
+        </p:nvGraphicFramePr>
+        <p:xfrm>
+          <a:off x="684213" y="4752975"/>
+          <a:ext cx="7729537" cy="1647825"/>
+        </p:xfrm>
+        <a:graphic>
+          <a:graphicData uri="http://schemas.openxmlformats.org/presentationml/2006/ole">
+            <mc:AlternateContent xmlns:mc="http://schemas.openxmlformats.org/markup-compatibility/2006">
+              <mc:Choice xmlns:v="urn:schemas-microsoft-com:vml" Requires="v">
+                <p:oleObj spid="_x0000_s346113" name="Equation" r:id="rId3" imgW="2324100" imgH="495300" progId="Equation.DSMT4">
+                  <p:embed/>
+                </p:oleObj>
+              </mc:Choice>
+              <mc:Fallback>
+                <p:oleObj name="Equation" r:id="rId3" imgW="2324100" imgH="495300" progId="Equation.DSMT4">
+                  <p:embed/>
+                  <p:pic>
+                    <p:nvPicPr>
+                      <p:cNvPr id="0" name=""/>
+                      <p:cNvPicPr/>
+                      <p:nvPr/>
+                    </p:nvPicPr>
+                    <p:blipFill>
+                      <a:blip r:embed="rId4"/>
+                      <a:stretch>
+                        <a:fillRect/>
+                      </a:stretch>
+                    </p:blipFill>
+                    <p:spPr>
+                      <a:xfrm>
+                        <a:off x="684213" y="4752975"/>
+                        <a:ext cx="7729537" cy="1647825"/>
+                      </a:xfrm>
+                      <a:prstGeom prst="rect">
+                        <a:avLst/>
+                      </a:prstGeom>
+                    </p:spPr>
+                  </p:pic>
+                </p:oleObj>
+              </mc:Fallback>
+            </mc:AlternateContent>
+          </a:graphicData>
+        </a:graphic>
+      </p:graphicFrame>
+    </p:spTree>
+    <p:extLst>
+      <p:ext uri="{BB962C8B-B14F-4D97-AF65-F5344CB8AC3E}">
+        <p14:creationId xmlns:p14="http://schemas.microsoft.com/office/powerpoint/2010/main" val="2577352054"/>
+      </p:ext>
+    </p:extLst>
+  </p:cSld>
+  <p:clrMapOvr>
+    <a:masterClrMapping/>
+  </p:clrMapOvr>
+  <p:transition xmlns:p14="http://schemas.microsoft.com/office/powerpoint/2010/main" spd="slow" advClick="0">
+    <p:fade/>
+  </p:transition>
+  <p:timing>
+    <p:tnLst>
+      <p:par>
+        <p:cTn xmlns:p14="http://schemas.microsoft.com/office/powerpoint/2010/main" id="1" dur="indefinite" restart="never" nodeType="tmRoot">
+          <p:childTnLst>
+            <p:seq concurrent="1" nextAc="seek">
+              <p:cTn id="2" dur="indefinite" nodeType="mainSeq">
+                <p:childTnLst>
+                  <p:par>
+                    <p:cTn id="3" fill="hold">
+                      <p:stCondLst>
+                        <p:cond delay="indefinite"/>
+                      </p:stCondLst>
+                      <p:childTnLst>
+                        <p:par>
+                          <p:cTn id="4" fill="hold">
+                            <p:stCondLst>
+                              <p:cond delay="0"/>
+                            </p:stCondLst>
+                            <p:childTnLst>
+                              <p:par>
+                                <p:cTn id="5" presetID="0" presetClass="path" presetSubtype="0" accel="50000" decel="50000" fill="hold" nodeType="clickEffect">
+                                  <p:stCondLst>
+                                    <p:cond delay="0"/>
+                                  </p:stCondLst>
+                                  <p:childTnLst>
+                                    <p:animMotion origin="layout" path="M 0.00261 -0.12433 L 0.00261 -0.45774 " pathEditMode="relative" ptsTypes="AA">
+                                      <p:cBhvr>
+                                        <p:cTn id="6" dur="2000" fill="hold"/>
+                                        <p:tgtEl>
+                                          <p:spTgt spid="10"/>
+                                        </p:tgtEl>
+                                        <p:attrNameLst>
+                                          <p:attrName>ppt_x</p:attrName>
+                                          <p:attrName>ppt_y</p:attrName>
+                                        </p:attrNameLst>
+                                      </p:cBhvr>
+                                    </p:animMotion>
+                                  </p:childTnLst>
+                                </p:cTn>
+                              </p:par>
+                            </p:childTnLst>
+                          </p:cTn>
+                        </p:par>
+                      </p:childTnLst>
+                    </p:cTn>
+                  </p:par>
+                </p:childTnLst>
+              </p:cTn>
+              <p:prevCondLst>
+                <p:cond evt="onPrev" delay="0">
+                  <p:tgtEl>
+                    <p:sldTgt/>
+                  </p:tgtEl>
+                </p:cond>
+              </p:prevCondLst>
+              <p:nextCondLst>
+                <p:cond evt="onNext" delay="0">
+                  <p:tgtEl>
+                    <p:sldTgt/>
+                  </p:tgtEl>
+                </p:cond>
+              </p:nextCondLst>
+            </p:seq>
+          </p:childTnLst>
+        </p:cTn>
+      </p:par>
+    </p:tnLst>
+  </p:timing>
+</p:sld>
+</file>
+
+<file path=ppt/slides/slide6.xml><?xml version="1.0" encoding="utf-8"?>
+<p:sld xmlns:a="http://schemas.openxmlformats.org/drawingml/2006/main" xmlns:r="http://schemas.openxmlformats.org/officeDocument/2006/relationships" xmlns:p="http://schemas.openxmlformats.org/presentationml/2006/main">
+  <p:cSld>
+    <p:spTree>
+      <p:nvGrpSpPr>
+        <p:cNvPr id="1" name=""/>
+        <p:cNvGrpSpPr/>
+        <p:nvPr/>
+      </p:nvGrpSpPr>
+      <p:grpSpPr>
+        <a:xfrm>
+          <a:off x="0" y="0"/>
+          <a:ext cx="0" cy="0"/>
+          <a:chOff x="0" y="0"/>
+          <a:chExt cx="0" cy="0"/>
+        </a:xfrm>
+      </p:grpSpPr>
+      <p:sp>
+        <p:nvSpPr>
+          <p:cNvPr id="3" name="Slide Number Placeholder 2"/>
+          <p:cNvSpPr>
+            <a:spLocks noGrp="1"/>
+          </p:cNvSpPr>
+          <p:nvPr>
+            <p:ph type="sldNum" sz="quarter" idx="10"/>
+          </p:nvPr>
+        </p:nvSpPr>
+        <p:spPr/>
+        <p:txBody>
+          <a:bodyPr/>
+          <a:lstStyle/>
+          <a:p>
+            <a:pPr>
+              <a:defRPr/>
+            </a:pPr>
+            <a:r>
+              <a:rPr lang="en-US" dirty="0" err="1" smtClean="0"/>
+              <a:t>maclauren</a:t>
+            </a:r>
+            <a:r>
+              <a:rPr lang="en-US" dirty="0" smtClean="0"/>
+              <a:t>.</a:t>
+            </a:r>
+            <a:fld id="{A585D087-0720-40C8-BCB9-442D95888E3B}" type="slidenum">
+              <a:rPr lang="en-US" smtClean="0"/>
+              <a:pPr>
+                <a:defRPr/>
+              </a:pPr>
+              <a:t>6</a:t>
+            </a:fld>
+            <a:endParaRPr lang="en-US" dirty="0"/>
+          </a:p>
+        </p:txBody>
+      </p:sp>
+      <p:graphicFrame>
+        <p:nvGraphicFramePr>
+          <p:cNvPr id="10" name="Object 9"/>
+          <p:cNvGraphicFramePr>
+            <a:graphicFrameLocks noChangeAspect="1"/>
+          </p:cNvGraphicFramePr>
+          <p:nvPr>
+            <p:extLst>
+              <p:ext uri="{D42A27DB-BD31-4B8C-83A1-F6EECF244321}">
+                <p14:modId xmlns:p14="http://schemas.microsoft.com/office/powerpoint/2010/main" val="757215656"/>
+              </p:ext>
+            </p:extLst>
+          </p:nvPr>
+        </p:nvGraphicFramePr>
+        <p:xfrm>
+          <a:off x="741363" y="1608138"/>
+          <a:ext cx="5659437" cy="1690687"/>
+        </p:xfrm>
+        <a:graphic>
+          <a:graphicData uri="http://schemas.openxmlformats.org/presentationml/2006/ole">
+            <mc:AlternateContent xmlns:mc="http://schemas.openxmlformats.org/markup-compatibility/2006">
+              <mc:Choice xmlns:v="urn:schemas-microsoft-com:vml" Requires="v">
+                <p:oleObj spid="_x0000_s342032" name="Equation" r:id="rId3" imgW="1701800" imgH="508000" progId="Equation.DSMT4">
+                  <p:embed/>
+                </p:oleObj>
+              </mc:Choice>
+              <mc:Fallback>
+                <p:oleObj name="Equation" r:id="rId3" imgW="1701800" imgH="508000" progId="Equation.DSMT4">
+                  <p:embed/>
+                  <p:pic>
+                    <p:nvPicPr>
+                      <p:cNvPr id="0" name=""/>
+                      <p:cNvPicPr/>
+                      <p:nvPr/>
+                    </p:nvPicPr>
+                    <p:blipFill>
+                      <a:blip r:embed="rId4"/>
+                      <a:stretch>
+                        <a:fillRect/>
+                      </a:stretch>
+                    </p:blipFill>
+                    <p:spPr>
+                      <a:xfrm>
+                        <a:off x="741363" y="1608138"/>
+                        <a:ext cx="5659437" cy="1690687"/>
+                      </a:xfrm>
+                      <a:prstGeom prst="rect">
+                        <a:avLst/>
+                      </a:prstGeom>
+                    </p:spPr>
+                  </p:pic>
+                </p:oleObj>
+              </mc:Fallback>
+            </mc:AlternateContent>
+          </a:graphicData>
+        </a:graphic>
+      </p:graphicFrame>
+      <p:sp>
+        <p:nvSpPr>
+          <p:cNvPr id="6" name="Title 1"/>
+          <p:cNvSpPr txBox="1">
+            <a:spLocks/>
+          </p:cNvSpPr>
+          <p:nvPr/>
+        </p:nvSpPr>
+        <p:spPr bwMode="auto">
+          <a:xfrm>
+            <a:off x="1447800" y="457200"/>
+            <a:ext cx="6172200" cy="762000"/>
+          </a:xfrm>
+          <a:prstGeom prst="rect">
+            <a:avLst/>
+          </a:prstGeom>
+          <a:noFill/>
+          <a:ln w="9525">
+            <a:noFill/>
+            <a:miter lim="800000"/>
+            <a:headEnd/>
+            <a:tailEnd/>
+          </a:ln>
+        </p:spPr>
+        <p:txBody>
+          <a:bodyPr vert="horz" wrap="square" lIns="91440" tIns="45720" rIns="91440" bIns="45720" numCol="1" anchor="ctr" anchorCtr="0" compatLnSpc="1">
+            <a:prstTxWarp prst="textNoShape">
+              <a:avLst/>
+            </a:prstTxWarp>
+          </a:bodyPr>
+          <a:lstStyle>
+            <a:lvl1pPr algn="l" rtl="0" eaLnBrk="0" fontAlgn="base" hangingPunct="0">
+              <a:spcBef>
+                <a:spcPct val="0"/>
+              </a:spcBef>
+              <a:spcAft>
+                <a:spcPct val="0"/>
+              </a:spcAft>
+              <a:defRPr sz="3600" b="1">
+                <a:solidFill>
+                  <a:schemeClr val="tx2"/>
+                </a:solidFill>
+                <a:latin typeface="+mj-lt"/>
+                <a:ea typeface="+mj-ea"/>
+                <a:cs typeface="+mj-cs"/>
+              </a:defRPr>
+            </a:lvl1pPr>
+            <a:lvl2pPr algn="l" rtl="0" eaLnBrk="0" fontAlgn="base" hangingPunct="0">
+              <a:spcBef>
+                <a:spcPct val="0"/>
+              </a:spcBef>
+              <a:spcAft>
+                <a:spcPct val="0"/>
+              </a:spcAft>
+              <a:defRPr sz="3600" b="1">
+                <a:solidFill>
+                  <a:schemeClr val="tx2"/>
+                </a:solidFill>
+                <a:latin typeface="Comic Sans MS" pitchFamily="66" charset="0"/>
+              </a:defRPr>
+            </a:lvl2pPr>
+            <a:lvl3pPr algn="l" rtl="0" eaLnBrk="0" fontAlgn="base" hangingPunct="0">
+              <a:spcBef>
+                <a:spcPct val="0"/>
+              </a:spcBef>
+              <a:spcAft>
+                <a:spcPct val="0"/>
+              </a:spcAft>
+              <a:defRPr sz="3600" b="1">
+                <a:solidFill>
+                  <a:schemeClr val="tx2"/>
+                </a:solidFill>
+                <a:latin typeface="Comic Sans MS" pitchFamily="66" charset="0"/>
+              </a:defRPr>
+            </a:lvl3pPr>
+            <a:lvl4pPr algn="l" rtl="0" eaLnBrk="0" fontAlgn="base" hangingPunct="0">
+              <a:spcBef>
+                <a:spcPct val="0"/>
+              </a:spcBef>
+              <a:spcAft>
+                <a:spcPct val="0"/>
+              </a:spcAft>
+              <a:defRPr sz="3600" b="1">
+                <a:solidFill>
+                  <a:schemeClr val="tx2"/>
+                </a:solidFill>
+                <a:latin typeface="Comic Sans MS" pitchFamily="66" charset="0"/>
+              </a:defRPr>
+            </a:lvl4pPr>
+            <a:lvl5pPr algn="l" rtl="0" eaLnBrk="0" fontAlgn="base" hangingPunct="0">
+              <a:spcBef>
+                <a:spcPct val="0"/>
+              </a:spcBef>
+              <a:spcAft>
+                <a:spcPct val="0"/>
+              </a:spcAft>
+              <a:defRPr sz="3600" b="1">
+                <a:solidFill>
+                  <a:schemeClr val="tx2"/>
+                </a:solidFill>
+                <a:latin typeface="Comic Sans MS" pitchFamily="66" charset="0"/>
+              </a:defRPr>
+            </a:lvl5pPr>
+            <a:lvl6pPr marL="457200" algn="l" rtl="0" fontAlgn="base">
+              <a:spcBef>
+                <a:spcPct val="0"/>
+              </a:spcBef>
+              <a:spcAft>
+                <a:spcPct val="0"/>
+              </a:spcAft>
+              <a:defRPr sz="3600" b="1">
+                <a:solidFill>
+                  <a:schemeClr val="tx2"/>
+                </a:solidFill>
+                <a:latin typeface="Comic Sans MS" pitchFamily="66" charset="0"/>
+              </a:defRPr>
+            </a:lvl6pPr>
+            <a:lvl7pPr marL="914400" algn="l" rtl="0" fontAlgn="base">
+              <a:spcBef>
+                <a:spcPct val="0"/>
+              </a:spcBef>
+              <a:spcAft>
+                <a:spcPct val="0"/>
+              </a:spcAft>
+              <a:defRPr sz="3600" b="1">
+                <a:solidFill>
+                  <a:schemeClr val="tx2"/>
+                </a:solidFill>
+                <a:latin typeface="Comic Sans MS" pitchFamily="66" charset="0"/>
+              </a:defRPr>
+            </a:lvl7pPr>
+            <a:lvl8pPr marL="1371600" algn="l" rtl="0" fontAlgn="base">
+              <a:spcBef>
+                <a:spcPct val="0"/>
+              </a:spcBef>
+              <a:spcAft>
+                <a:spcPct val="0"/>
+              </a:spcAft>
+              <a:defRPr sz="3600" b="1">
+                <a:solidFill>
+                  <a:schemeClr val="tx2"/>
+                </a:solidFill>
+                <a:latin typeface="Comic Sans MS" pitchFamily="66" charset="0"/>
+              </a:defRPr>
+            </a:lvl8pPr>
+            <a:lvl9pPr marL="1828800" algn="l" rtl="0" fontAlgn="base">
+              <a:spcBef>
+                <a:spcPct val="0"/>
+              </a:spcBef>
+              <a:spcAft>
+                <a:spcPct val="0"/>
+              </a:spcAft>
+              <a:defRPr sz="3600" b="1">
+                <a:solidFill>
+                  <a:schemeClr val="tx2"/>
+                </a:solidFill>
+                <a:latin typeface="Comic Sans MS" pitchFamily="66" charset="0"/>
+              </a:defRPr>
+            </a:lvl9pPr>
+          </a:lstStyle>
+          <a:p>
+            <a:r>
+              <a:rPr lang="en-US" smtClean="0"/>
+              <a:t>The coefficient</a:t>
+            </a:r>
+            <a:endParaRPr lang="en-US" dirty="0"/>
+          </a:p>
+        </p:txBody>
+      </p:sp>
+    </p:spTree>
+    <p:extLst>
+      <p:ext uri="{BB962C8B-B14F-4D97-AF65-F5344CB8AC3E}">
+        <p14:creationId xmlns:p14="http://schemas.microsoft.com/office/powerpoint/2010/main" val="957882662"/>
+      </p:ext>
+    </p:extLst>
+  </p:cSld>
+  <p:clrMapOvr>
+    <a:masterClrMapping/>
+  </p:clrMapOvr>
+  <p:transition xmlns:p14="http://schemas.microsoft.com/office/powerpoint/2010/main" spd="slow" advClick="0">
+    <p:fade/>
+  </p:transition>
+  <p:timing>
+    <p:tnLst>
+      <p:par>
+        <p:cTn xmlns:p14="http://schemas.microsoft.com/office/powerpoint/2010/main" id="1" dur="indefinite" restart="never" nodeType="tmRoot"/>
       </p:par>
     </p:tnLst>
   </p:timing>
@@ -4577,25 +5808,25 @@
           <p:nvPr>
             <p:extLst>
               <p:ext uri="{D42A27DB-BD31-4B8C-83A1-F6EECF244321}">
-                <p14:modId xmlns:p14="http://schemas.microsoft.com/office/powerpoint/2010/main" val="3062200851"/>
+                <p14:modId xmlns:p14="http://schemas.microsoft.com/office/powerpoint/2010/main" val="3648656382"/>
               </p:ext>
             </p:extLst>
           </p:nvPr>
         </p:nvGraphicFramePr>
         <p:xfrm>
-          <a:off x="665163" y="4752975"/>
-          <a:ext cx="5659437" cy="1647825"/>
+          <a:off x="714375" y="1566863"/>
+          <a:ext cx="5407025" cy="1774825"/>
         </p:xfrm>
         <a:graphic>
           <a:graphicData uri="http://schemas.openxmlformats.org/presentationml/2006/ole">
             <mc:AlternateContent xmlns:mc="http://schemas.openxmlformats.org/markup-compatibility/2006">
               <mc:Choice xmlns:v="urn:schemas-microsoft-com:vml" Requires="v">
-                <p:oleObj spid="_x0000_s342028" name="Equation" r:id="rId3" imgW="1701800" imgH="495300" progId="Equation.DSMT4">
+                <p:oleObj spid="_x0000_s347137" name="Equation" r:id="rId3" imgW="1625600" imgH="533400" progId="Equation.DSMT4">
                   <p:embed/>
                 </p:oleObj>
               </mc:Choice>
               <mc:Fallback>
-                <p:oleObj name="Equation" r:id="rId3" imgW="1701800" imgH="495300" progId="Equation.DSMT4">
+                <p:oleObj name="Equation" r:id="rId3" imgW="1625600" imgH="533400" progId="Equation.DSMT4">
                   <p:embed/>
                   <p:pic>
                     <p:nvPicPr>
@@ -4611,8 +5842,8 @@
                     </p:blipFill>
                     <p:spPr>
                       <a:xfrm>
-                        <a:off x="665163" y="4752975"/>
-                        <a:ext cx="5659437" cy="1647825"/>
+                        <a:off x="714375" y="1566863"/>
+                        <a:ext cx="5407025" cy="1774825"/>
                       </a:xfrm>
                       <a:prstGeom prst="rect">
                         <a:avLst/>
@@ -4627,7 +5858,7 @@
       </p:graphicFrame>
       <p:sp>
         <p:nvSpPr>
-          <p:cNvPr id="11" name="Title 1"/>
+          <p:cNvPr id="5" name="Title 1"/>
           <p:cNvSpPr>
             <a:spLocks noGrp="1"/>
           </p:cNvSpPr>
@@ -4656,7 +5887,7 @@
     </p:spTree>
     <p:extLst>
       <p:ext uri="{BB962C8B-B14F-4D97-AF65-F5344CB8AC3E}">
-        <p14:creationId xmlns:p14="http://schemas.microsoft.com/office/powerpoint/2010/main" val="957882662"/>
+        <p14:creationId xmlns:p14="http://schemas.microsoft.com/office/powerpoint/2010/main" val="1013395050"/>
       </p:ext>
     </p:extLst>
   </p:cSld>
@@ -4669,15 +5900,94 @@
   <p:timing>
     <p:tnLst>
       <p:par>
-        <p:cTn xmlns:p14="http://schemas.microsoft.com/office/powerpoint/2010/main" id="1" dur="indefinite" restart="never" nodeType="tmRoot"/>
+        <p:cTn xmlns:p14="http://schemas.microsoft.com/office/powerpoint/2010/main" id="1" dur="indefinite" restart="never" nodeType="tmRoot">
+          <p:childTnLst>
+            <p:seq concurrent="1" nextAc="seek">
+              <p:cTn id="2" dur="indefinite" nodeType="mainSeq">
+                <p:childTnLst>
+                  <p:par>
+                    <p:cTn id="3" fill="hold">
+                      <p:stCondLst>
+                        <p:cond delay="indefinite"/>
+                      </p:stCondLst>
+                      <p:childTnLst>
+                        <p:par>
+                          <p:cTn id="4" fill="hold">
+                            <p:stCondLst>
+                              <p:cond delay="0"/>
+                            </p:stCondLst>
+                            <p:childTnLst>
+                              <p:par>
+                                <p:cTn id="5" presetID="10" presetClass="entr" presetSubtype="0" fill="hold" grpId="0" nodeType="clickEffect">
+                                  <p:stCondLst>
+                                    <p:cond delay="0"/>
+                                  </p:stCondLst>
+                                  <p:childTnLst>
+                                    <p:set>
+                                      <p:cBhvr>
+                                        <p:cTn id="6" dur="1" fill="hold">
+                                          <p:stCondLst>
+                                            <p:cond delay="0"/>
+                                          </p:stCondLst>
+                                        </p:cTn>
+                                        <p:tgtEl>
+                                          <p:spTgt spid="5"/>
+                                        </p:tgtEl>
+                                        <p:attrNameLst>
+                                          <p:attrName>style.visibility</p:attrName>
+                                        </p:attrNameLst>
+                                      </p:cBhvr>
+                                      <p:to>
+                                        <p:strVal val="visible"/>
+                                      </p:to>
+                                    </p:set>
+                                    <p:animEffect transition="in" filter="fade">
+                                      <p:cBhvr>
+                                        <p:cTn id="7" dur="500"/>
+                                        <p:tgtEl>
+                                          <p:spTgt spid="5"/>
+                                        </p:tgtEl>
+                                      </p:cBhvr>
+                                    </p:animEffect>
+                                  </p:childTnLst>
+                                </p:cTn>
+                              </p:par>
+                            </p:childTnLst>
+                          </p:cTn>
+                        </p:par>
+                      </p:childTnLst>
+                    </p:cTn>
+                  </p:par>
+                </p:childTnLst>
+              </p:cTn>
+              <p:prevCondLst>
+                <p:cond evt="onPrev" delay="0">
+                  <p:tgtEl>
+                    <p:sldTgt/>
+                  </p:tgtEl>
+                </p:cond>
+              </p:prevCondLst>
+              <p:nextCondLst>
+                <p:cond evt="onNext" delay="0">
+                  <p:tgtEl>
+                    <p:sldTgt/>
+                  </p:tgtEl>
+                </p:cond>
+              </p:nextCondLst>
+            </p:seq>
+          </p:childTnLst>
+        </p:cTn>
       </p:par>
     </p:tnLst>
+    <p:bldLst>
+      <p:bldP spid="5" grpId="0"/>
+    </p:bldLst>
   </p:timing>
 </p:sld>
 </file>
 
 <file path=ppt/slides/slide8.xml><?xml version="1.0" encoding="utf-8"?>
-<p:sld xmlns:a="http://schemas.openxmlformats.org/drawingml/2006/main" xmlns:r="http://schemas.openxmlformats.org/officeDocument/2006/relationships" xmlns:p="http://schemas.openxmlformats.org/presentationml/2006/main">
+<p:sld xmlns:a="http://schemas.openxmlformats.org/drawingml/2006/main" xmlns:r="http://schemas.openxmlformats.org/officeDocument/2006/relationships" xmlns:p="http://schemas.openxmlformats.org/presentationml/2006/main" show="0">
   <p:cSld>
     <p:spTree>
       <p:nvGrpSpPr>
@@ -4752,7 +6062,7 @@
           <a:graphicData uri="http://schemas.openxmlformats.org/presentationml/2006/ole">
             <mc:AlternateContent xmlns:mc="http://schemas.openxmlformats.org/markup-compatibility/2006">
               <mc:Choice xmlns:v="urn:schemas-microsoft-com:vml" Requires="v">
-                <p:oleObj spid="_x0000_s344067" name="Equation" r:id="rId3" imgW="1701800" imgH="495300" progId="Equation.DSMT4">
+                <p:oleObj spid="_x0000_s344071" name="Equation" r:id="rId3" imgW="1701800" imgH="495300" progId="Equation.DSMT4">
                   <p:embed/>
                 </p:oleObj>
               </mc:Choice>
@@ -4839,7 +6149,7 @@
 </file>
 
 <file path=ppt/slides/slide9.xml><?xml version="1.0" encoding="utf-8"?>
-<p:sld xmlns:a="http://schemas.openxmlformats.org/drawingml/2006/main" xmlns:r="http://schemas.openxmlformats.org/officeDocument/2006/relationships" xmlns:p="http://schemas.openxmlformats.org/presentationml/2006/main">
+<p:sld xmlns:a="http://schemas.openxmlformats.org/drawingml/2006/main" xmlns:r="http://schemas.openxmlformats.org/officeDocument/2006/relationships" xmlns:p="http://schemas.openxmlformats.org/presentationml/2006/main" show="0">
   <p:cSld>
     <p:spTree>
       <p:nvGrpSpPr>
@@ -4901,7 +6211,7 @@
           <p:nvPr>
             <p:extLst>
               <p:ext uri="{D42A27DB-BD31-4B8C-83A1-F6EECF244321}">
-                <p14:modId xmlns:p14="http://schemas.microsoft.com/office/powerpoint/2010/main" val="3614828266"/>
+                <p14:modId xmlns:p14="http://schemas.microsoft.com/office/powerpoint/2010/main" val="272492185"/>
               </p:ext>
             </p:extLst>
           </p:nvPr>
@@ -4914,7 +6224,7 @@
           <a:graphicData uri="http://schemas.openxmlformats.org/presentationml/2006/ole">
             <mc:AlternateContent xmlns:mc="http://schemas.openxmlformats.org/markup-compatibility/2006">
               <mc:Choice xmlns:v="urn:schemas-microsoft-com:vml" Requires="v">
-                <p:oleObj spid="_x0000_s345091" name="Equation" r:id="rId3" imgW="1625600" imgH="533400" progId="Equation.DSMT4">
+                <p:oleObj spid="_x0000_s345095" name="Equation" r:id="rId3" imgW="1625600" imgH="533400" progId="Equation.DSMT4">
                   <p:embed/>
                 </p:oleObj>
               </mc:Choice>
